--- a/symphony - CoPilot.pptx
+++ b/symphony - CoPilot.pptx
@@ -234,7 +234,7 @@
           <a:p>
             <a:fld id="{8DB9F18C-E5F1-794B-9A1A-98E4674D31F9}" type="datetimeFigureOut">
               <a:rPr lang="en-US" smtClean="0"/>
-              <a:t>11/7/23</a:t>
+              <a:t>12/20/2023</a:t>
             </a:fld>
             <a:endParaRPr lang="en-US"/>
           </a:p>
@@ -828,7 +828,7 @@
           <a:p>
             <a:fld id="{17F50B8E-A176-49F2-A3C1-FEDA0200170B}" type="datetime2">
               <a:rPr lang="en-US" smtClean="0"/>
-              <a:t>Tuesday, November 7, 2023</a:t>
+              <a:t>Wednesday, December 20, 2023</a:t>
             </a:fld>
             <a:endParaRPr lang="en-US" dirty="0"/>
           </a:p>
@@ -1037,7 +1037,7 @@
           <a:p>
             <a:fld id="{0512A49D-4A7C-4944-9802-8EE0B5A6CEDD}" type="datetime2">
               <a:rPr lang="en-US" smtClean="0"/>
-              <a:t>Tuesday, November 7, 2023</a:t>
+              <a:t>Wednesday, December 20, 2023</a:t>
             </a:fld>
             <a:endParaRPr lang="en-US"/>
           </a:p>
@@ -1250,7 +1250,7 @@
           <a:p>
             <a:fld id="{5D689DDD-3B11-4150-8B39-3662C10D8BF9}" type="datetime2">
               <a:rPr lang="en-US" smtClean="0"/>
-              <a:t>Tuesday, November 7, 2023</a:t>
+              <a:t>Wednesday, December 20, 2023</a:t>
             </a:fld>
             <a:endParaRPr lang="en-US"/>
           </a:p>
@@ -1474,7 +1474,7 @@
           <a:p>
             <a:fld id="{57997BA6-BEF8-495F-ACCD-8D19769E4FC6}" type="datetime2">
               <a:rPr lang="en-US" smtClean="0"/>
-              <a:t>Tuesday, November 7, 2023</a:t>
+              <a:t>Wednesday, December 20, 2023</a:t>
             </a:fld>
             <a:endParaRPr lang="en-US" dirty="0"/>
           </a:p>
@@ -1757,7 +1757,7 @@
           <a:p>
             <a:fld id="{4857292D-4609-4E55-92E3-C12C6A1234E8}" type="datetime2">
               <a:rPr lang="en-US" smtClean="0"/>
-              <a:t>Tuesday, November 7, 2023</a:t>
+              <a:t>Wednesday, December 20, 2023</a:t>
             </a:fld>
             <a:endParaRPr lang="en-US" dirty="0"/>
           </a:p>
@@ -2140,7 +2140,7 @@
           <a:p>
             <a:fld id="{003E0E29-2C79-4A2A-B61C-A21B8362A50A}" type="datetime2">
               <a:rPr lang="en-US" smtClean="0"/>
-              <a:t>Tuesday, November 7, 2023</a:t>
+              <a:t>Wednesday, December 20, 2023</a:t>
             </a:fld>
             <a:endParaRPr lang="en-US"/>
           </a:p>
@@ -2634,7 +2634,7 @@
           <a:p>
             <a:fld id="{B0CA0177-5432-41AC-9593-8EC96BFF4F82}" type="datetime2">
               <a:rPr lang="en-US" smtClean="0"/>
-              <a:t>Tuesday, November 7, 2023</a:t>
+              <a:t>Wednesday, December 20, 2023</a:t>
             </a:fld>
             <a:endParaRPr lang="en-US" dirty="0"/>
           </a:p>
@@ -2790,7 +2790,7 @@
           <a:p>
             <a:fld id="{EED29A7B-B2F1-41A3-B969-4E25F618B967}" type="datetime2">
               <a:rPr lang="en-US" smtClean="0"/>
-              <a:t>Tuesday, November 7, 2023</a:t>
+              <a:t>Wednesday, December 20, 2023</a:t>
             </a:fld>
             <a:endParaRPr lang="en-US" dirty="0"/>
           </a:p>
@@ -3200,7 +3200,7 @@
           <a:p>
             <a:fld id="{4EE98B79-F222-4FD1-8713-07459E1B5004}" type="datetime2">
               <a:rPr lang="en-US" smtClean="0"/>
-              <a:t>Tuesday, November 7, 2023</a:t>
+              <a:t>Wednesday, December 20, 2023</a:t>
             </a:fld>
             <a:endParaRPr lang="en-US"/>
           </a:p>
@@ -3522,7 +3522,7 @@
           <a:p>
             <a:fld id="{792630FD-0818-4065-B5FE-410552D9B1BC}" type="datetime2">
               <a:rPr lang="en-US" smtClean="0"/>
-              <a:t>Tuesday, November 7, 2023</a:t>
+              <a:t>Wednesday, December 20, 2023</a:t>
             </a:fld>
             <a:endParaRPr lang="en-US"/>
           </a:p>
@@ -3824,7 +3824,7 @@
           <a:p>
             <a:fld id="{93C2D289-0EBF-40C7-B6E8-60285281F180}" type="datetime2">
               <a:rPr lang="en-US" smtClean="0"/>
-              <a:t>Tuesday, November 7, 2023</a:t>
+              <a:t>Wednesday, December 20, 2023</a:t>
             </a:fld>
             <a:endParaRPr lang="en-US"/>
           </a:p>
@@ -4359,7 +4359,7 @@
           <a:p>
             <a:fld id="{94CDC665-7415-4DAF-AE09-B9BBC1907393}" type="datetime2">
               <a:rPr lang="en-US" smtClean="0"/>
-              <a:t>Tuesday, November 7, 2023</a:t>
+              <a:t>Wednesday, December 20, 2023</a:t>
             </a:fld>
             <a:endParaRPr lang="en-US" dirty="0"/>
           </a:p>
@@ -5611,7 +5611,7 @@
           <a:p>
             <a:fld id="{57997BA6-BEF8-495F-ACCD-8D19769E4FC6}" type="datetime2">
               <a:rPr lang="en-US" smtClean="0"/>
-              <a:t>Tuesday, November 7, 2023</a:t>
+              <a:t>Wednesday, December 20, 2023</a:t>
             </a:fld>
             <a:endParaRPr lang="en-US" dirty="0"/>
           </a:p>
@@ -6579,7 +6579,7 @@
           <a:p>
             <a:fld id="{57997BA6-BEF8-495F-ACCD-8D19769E4FC6}" type="datetime2">
               <a:rPr lang="en-US" smtClean="0"/>
-              <a:t>Tuesday, November 7, 2023</a:t>
+              <a:t>Wednesday, December 20, 2023</a:t>
             </a:fld>
             <a:endParaRPr lang="en-US" dirty="0"/>
           </a:p>
@@ -7392,7 +7392,7 @@
                   <a:spcPts val="600"/>
                 </a:spcAft>
               </a:pPr>
-              <a:t>Tuesday, November 7, 2023</a:t>
+              <a:t>Wednesday, December 20, 2023</a:t>
             </a:fld>
             <a:endParaRPr lang="en-US"/>
           </a:p>
@@ -7656,7 +7656,7 @@
           <a:p>
             <a:fld id="{57997BA6-BEF8-495F-ACCD-8D19769E4FC6}" type="datetime2">
               <a:rPr lang="en-US" smtClean="0"/>
-              <a:t>Tuesday, November 7, 2023</a:t>
+              <a:t>Wednesday, December 20, 2023</a:t>
             </a:fld>
             <a:endParaRPr lang="en-US" dirty="0"/>
           </a:p>
@@ -7807,7 +7807,7 @@
           <a:p>
             <a:fld id="{57997BA6-BEF8-495F-ACCD-8D19769E4FC6}" type="datetime2">
               <a:rPr lang="en-US" smtClean="0"/>
-              <a:t>Tuesday, November 7, 2023</a:t>
+              <a:t>Wednesday, December 20, 2023</a:t>
             </a:fld>
             <a:endParaRPr lang="en-US" dirty="0"/>
           </a:p>
@@ -8488,7 +8488,7 @@
           <a:p>
             <a:fld id="{57997BA6-BEF8-495F-ACCD-8D19769E4FC6}" type="datetime2">
               <a:rPr lang="en-US" smtClean="0"/>
-              <a:t>Tuesday, November 7, 2023</a:t>
+              <a:t>Wednesday, December 20, 2023</a:t>
             </a:fld>
             <a:endParaRPr lang="en-US" dirty="0"/>
           </a:p>
@@ -9079,7 +9079,7 @@
           <a:p>
             <a:fld id="{57997BA6-BEF8-495F-ACCD-8D19769E4FC6}" type="datetime2">
               <a:rPr lang="en-US" smtClean="0"/>
-              <a:t>Tuesday, November 7, 2023</a:t>
+              <a:t>Wednesday, December 20, 2023</a:t>
             </a:fld>
             <a:endParaRPr lang="en-US" dirty="0"/>
           </a:p>
@@ -9303,7 +9303,7 @@
           <a:p>
             <a:fld id="{57997BA6-BEF8-495F-ACCD-8D19769E4FC6}" type="datetime2">
               <a:rPr lang="en-US" smtClean="0"/>
-              <a:t>Tuesday, November 7, 2023</a:t>
+              <a:t>Wednesday, December 20, 2023</a:t>
             </a:fld>
             <a:endParaRPr lang="en-US" dirty="0"/>
           </a:p>
@@ -9483,7 +9483,7 @@
           <a:p>
             <a:fld id="{57997BA6-BEF8-495F-ACCD-8D19769E4FC6}" type="datetime2">
               <a:rPr lang="en-US" smtClean="0"/>
-              <a:t>Tuesday, November 7, 2023</a:t>
+              <a:t>Wednesday, December 20, 2023</a:t>
             </a:fld>
             <a:endParaRPr lang="en-US" dirty="0"/>
           </a:p>
@@ -9713,21 +9713,7 @@
                 <a:effectLst/>
                 <a:latin typeface="-apple-system-font"/>
               </a:rPr>
-              <a:t>No exact number of tabs is </a:t>
-            </a:r>
-            <a:r>
-              <a:rPr lang="en-US" sz="1800" b="0" i="0" u="none" strike="noStrike" dirty="0" err="1">
-                <a:effectLst/>
-                <a:latin typeface="-apple-system-font"/>
-              </a:rPr>
-              <a:t>documentes</a:t>
-            </a:r>
-            <a:r>
-              <a:rPr lang="en-US" sz="1800" b="0" i="0" u="none" strike="noStrike" dirty="0">
-                <a:effectLst/>
-                <a:latin typeface="-apple-system-font"/>
-              </a:rPr>
-              <a:t> that you should keep open to help GitHub Copilot contextualize your code, but from my experience, I found that one or two is helpful.</a:t>
+              <a:t>No exact number of tabs is documented that you should keep open to help GitHub Copilot contextualize your code, but from my experience, I found that one or two is helpful.</a:t>
             </a:r>
           </a:p>
           <a:p>
@@ -9835,7 +9821,7 @@
           <a:p>
             <a:fld id="{57997BA6-BEF8-495F-ACCD-8D19769E4FC6}" type="datetime2">
               <a:rPr lang="en-US" smtClean="0"/>
-              <a:t>Tuesday, November 7, 2023</a:t>
+              <a:t>Wednesday, December 20, 2023</a:t>
             </a:fld>
             <a:endParaRPr lang="en-US" dirty="0"/>
           </a:p>

--- a/symphony - CoPilot.pptx
+++ b/symphony - CoPilot.pptx
@@ -5,20 +5,23 @@
     <p:sldMasterId id="2147483738" r:id="rId1"/>
   </p:sldMasterIdLst>
   <p:notesMasterIdLst>
-    <p:notesMasterId r:id="rId13"/>
+    <p:notesMasterId r:id="rId16"/>
   </p:notesMasterIdLst>
   <p:sldIdLst>
     <p:sldId id="256" r:id="rId2"/>
     <p:sldId id="257" r:id="rId3"/>
     <p:sldId id="259" r:id="rId4"/>
     <p:sldId id="261" r:id="rId5"/>
-    <p:sldId id="262" r:id="rId6"/>
-    <p:sldId id="263" r:id="rId7"/>
-    <p:sldId id="264" r:id="rId8"/>
-    <p:sldId id="265" r:id="rId9"/>
-    <p:sldId id="266" r:id="rId10"/>
-    <p:sldId id="258" r:id="rId11"/>
-    <p:sldId id="260" r:id="rId12"/>
+    <p:sldId id="267" r:id="rId6"/>
+    <p:sldId id="269" r:id="rId7"/>
+    <p:sldId id="262" r:id="rId8"/>
+    <p:sldId id="263" r:id="rId9"/>
+    <p:sldId id="264" r:id="rId10"/>
+    <p:sldId id="265" r:id="rId11"/>
+    <p:sldId id="266" r:id="rId12"/>
+    <p:sldId id="258" r:id="rId13"/>
+    <p:sldId id="270" r:id="rId14"/>
+    <p:sldId id="260" r:id="rId15"/>
   </p:sldIdLst>
   <p:sldSz cx="12192000" cy="6858000"/>
   <p:notesSz cx="6858000" cy="9144000"/>
@@ -130,6 +133,8 @@
             <p14:sldId id="257"/>
             <p14:sldId id="259"/>
             <p14:sldId id="261"/>
+            <p14:sldId id="267"/>
+            <p14:sldId id="269"/>
           </p14:sldIdLst>
         </p14:section>
         <p14:section name="CoPilot Super Powers" id="{DDB5A5DB-85FA-E64C-AE46-B274E9E016C9}">
@@ -140,6 +145,7 @@
             <p14:sldId id="265"/>
             <p14:sldId id="266"/>
             <p14:sldId id="258"/>
+            <p14:sldId id="270"/>
             <p14:sldId id="260"/>
           </p14:sldIdLst>
         </p14:section>
@@ -234,7 +240,7 @@
           <a:p>
             <a:fld id="{8DB9F18C-E5F1-794B-9A1A-98E4674D31F9}" type="datetimeFigureOut">
               <a:rPr lang="en-US" smtClean="0"/>
-              <a:t>12/20/2023</a:t>
+              <a:t>1/4/2024</a:t>
             </a:fld>
             <a:endParaRPr lang="en-US"/>
           </a:p>
@@ -669,6 +675,252 @@
 </p:notes>
 </file>
 
+<file path=ppt/notesSlides/notesSlide3.xml><?xml version="1.0" encoding="utf-8"?>
+<p:notes xmlns:a="http://schemas.openxmlformats.org/drawingml/2006/main" xmlns:r="http://schemas.openxmlformats.org/officeDocument/2006/relationships" xmlns:p="http://schemas.openxmlformats.org/presentationml/2006/main">
+  <p:cSld>
+    <p:spTree>
+      <p:nvGrpSpPr>
+        <p:cNvPr id="1" name=""/>
+        <p:cNvGrpSpPr/>
+        <p:nvPr/>
+      </p:nvGrpSpPr>
+      <p:grpSpPr>
+        <a:xfrm>
+          <a:off x="0" y="0"/>
+          <a:ext cx="0" cy="0"/>
+          <a:chOff x="0" y="0"/>
+          <a:chExt cx="0" cy="0"/>
+        </a:xfrm>
+      </p:grpSpPr>
+      <p:sp>
+        <p:nvSpPr>
+          <p:cNvPr id="2" name="Slide Image Placeholder 1"/>
+          <p:cNvSpPr>
+            <a:spLocks noGrp="1" noRot="1" noChangeAspect="1"/>
+          </p:cNvSpPr>
+          <p:nvPr>
+            <p:ph type="sldImg"/>
+          </p:nvPr>
+        </p:nvSpPr>
+        <p:spPr/>
+      </p:sp>
+      <p:sp>
+        <p:nvSpPr>
+          <p:cNvPr id="3" name="Notes Placeholder 2"/>
+          <p:cNvSpPr>
+            <a:spLocks noGrp="1"/>
+          </p:cNvSpPr>
+          <p:nvPr>
+            <p:ph type="body" idx="1"/>
+          </p:nvPr>
+        </p:nvSpPr>
+        <p:spPr/>
+        <p:txBody>
+          <a:bodyPr/>
+          <a:lstStyle/>
+          <a:p>
+            <a:r>
+              <a:rPr lang="en-US" dirty="0"/>
+              <a:t>Having the right expectations and mindset is essential for using M365 Copilot. It's a digital assistant that uses human language, but it doesn't think, feel, or learn. It's a powerful tool, but it needs context and clear instructions to help you. Copilot is a copilot, not an autopilot - it augments your productivity, but you remain in the driver's seat. It's an augmentation, not an automation - it is designed to help you, not to replace you. Always review and edit the outputs before using them for your purposes.
+Original Content:
+Mindset
+Having the right expectations and mindset is important to your first interactions with M365 Copilot.  Copilot is a digital assistant that uses human language, but it </a:t>
+            </a:r>
+            <a:r>
+              <a:rPr lang="en-US" dirty="0" err="1"/>
+              <a:t>doesn</a:t>
+            </a:r>
+            <a:r>
+              <a:rPr lang="en-US" dirty="0"/>
+              <a:t> t think, feel, or learn.  Its context about your needs is limited to your current conversation.  M365 Copilot is a very powerful tool, but it can t read minds. Think of M365 Copilot as the world s smartest personal </a:t>
+            </a:r>
+            <a:r>
+              <a:rPr lang="en-US" dirty="0" err="1"/>
+              <a:t>assistantintern</a:t>
+            </a:r>
+            <a:r>
+              <a:rPr lang="en-US" dirty="0"/>
+              <a:t> [KS10] on their first day. Your </a:t>
+            </a:r>
+            <a:r>
+              <a:rPr lang="en-US" dirty="0" err="1"/>
+              <a:t>assistantIt</a:t>
+            </a:r>
+            <a:r>
+              <a:rPr lang="en-US" dirty="0"/>
+              <a:t> [KS11] </a:t>
+            </a:r>
+            <a:r>
+              <a:rPr lang="en-US" dirty="0" err="1"/>
+              <a:t>iis</a:t>
+            </a:r>
+            <a:r>
+              <a:rPr lang="en-US" dirty="0"/>
+              <a:t> very intelligent and capable but it </a:t>
+            </a:r>
+            <a:r>
+              <a:rPr lang="en-US" dirty="0" err="1"/>
+              <a:t>doesn</a:t>
+            </a:r>
+            <a:r>
+              <a:rPr lang="en-US" dirty="0"/>
+              <a:t> t know how you think, so the more context and clarity you give it, the better it can help </a:t>
+            </a:r>
+            <a:r>
+              <a:rPr lang="en-US" dirty="0" err="1"/>
+              <a:t>youwill</a:t>
+            </a:r>
+            <a:r>
+              <a:rPr lang="en-US" dirty="0"/>
+              <a:t> your need context and clear instructions in order to best help you[KS12] .. You[MY13] [ME14]  will need to state your goal[KS15] , turn the implicit into explicit, and organize work into multiple steps. It s also meant to be iterative, so you work alongside the AI Copilot works best when you give it the chance to build on itself, so don t hesitate to let it know when you were looking for something different or more.
+This is a new skill and there is a learning curve. To harness its full potential, embrace the right mindset. Here s how to approach using M365 Copilot to  are essential our tried and tested tips to unleash M365 </a:t>
+            </a:r>
+            <a:r>
+              <a:rPr lang="en-US" dirty="0" err="1"/>
+              <a:t>Copilotit's</a:t>
+            </a:r>
+            <a:r>
+              <a:rPr lang="en-US" dirty="0"/>
+              <a:t> magic:
+Know that it  s a copilot, not an autopilot.  Copilot augments your productivity, but you remain in the driver  s seat.  The LLMs and the data Copilot uses have limits.  Use Copilot as a source of </a:t>
+            </a:r>
+            <a:r>
+              <a:rPr lang="en-US" dirty="0" err="1"/>
+              <a:t>inspirati</a:t>
+            </a:r>
+            <a:endParaRPr lang="en-US" dirty="0"/>
+          </a:p>
+        </p:txBody>
+      </p:sp>
+      <p:sp>
+        <p:nvSpPr>
+          <p:cNvPr id="4" name="Slide Number Placeholder 3"/>
+          <p:cNvSpPr>
+            <a:spLocks noGrp="1"/>
+          </p:cNvSpPr>
+          <p:nvPr>
+            <p:ph type="sldNum" sz="quarter" idx="5"/>
+          </p:nvPr>
+        </p:nvSpPr>
+        <p:spPr/>
+        <p:txBody>
+          <a:bodyPr/>
+          <a:lstStyle/>
+          <a:p>
+            <a:fld id="{C5521470-9FAA-4951-9B94-CBCD454B3E75}" type="slidenum">
+              <a:rPr lang="en-US" smtClean="0"/>
+              <a:t>5</a:t>
+            </a:fld>
+            <a:endParaRPr lang="en-US"/>
+          </a:p>
+        </p:txBody>
+      </p:sp>
+    </p:spTree>
+    <p:extLst>
+      <p:ext uri="{BB962C8B-B14F-4D97-AF65-F5344CB8AC3E}">
+        <p14:creationId xmlns:p14="http://schemas.microsoft.com/office/powerpoint/2010/main" val="972842782"/>
+      </p:ext>
+    </p:extLst>
+  </p:cSld>
+  <p:clrMapOvr>
+    <a:masterClrMapping/>
+  </p:clrMapOvr>
+</p:notes>
+</file>
+
+<file path=ppt/notesSlides/notesSlide4.xml><?xml version="1.0" encoding="utf-8"?>
+<p:notes xmlns:a="http://schemas.openxmlformats.org/drawingml/2006/main" xmlns:r="http://schemas.openxmlformats.org/officeDocument/2006/relationships" xmlns:p="http://schemas.openxmlformats.org/presentationml/2006/main">
+  <p:cSld>
+    <p:spTree>
+      <p:nvGrpSpPr>
+        <p:cNvPr id="1" name=""/>
+        <p:cNvGrpSpPr/>
+        <p:nvPr/>
+      </p:nvGrpSpPr>
+      <p:grpSpPr>
+        <a:xfrm>
+          <a:off x="0" y="0"/>
+          <a:ext cx="0" cy="0"/>
+          <a:chOff x="0" y="0"/>
+          <a:chExt cx="0" cy="0"/>
+        </a:xfrm>
+      </p:grpSpPr>
+      <p:sp>
+        <p:nvSpPr>
+          <p:cNvPr id="2" name="Slide Image Placeholder 1"/>
+          <p:cNvSpPr>
+            <a:spLocks noGrp="1" noRot="1" noChangeAspect="1"/>
+          </p:cNvSpPr>
+          <p:nvPr>
+            <p:ph type="sldImg"/>
+          </p:nvPr>
+        </p:nvSpPr>
+        <p:spPr/>
+      </p:sp>
+      <p:sp>
+        <p:nvSpPr>
+          <p:cNvPr id="3" name="Notes Placeholder 2"/>
+          <p:cNvSpPr>
+            <a:spLocks noGrp="1"/>
+          </p:cNvSpPr>
+          <p:nvPr>
+            <p:ph type="body" idx="1"/>
+          </p:nvPr>
+        </p:nvSpPr>
+        <p:spPr/>
+        <p:txBody>
+          <a:bodyPr/>
+          <a:lstStyle/>
+          <a:p>
+            <a:r>
+              <a:rPr lang="en-US"/>
+              <a:t>Copilot is best used when you collaborate with it, provide feedback, and iterate on the results. You should also use your own creativity, logic, and judgment to improve the outputs. It's important to optimize the ingredients of your prompt to Copilot. The model is learning from your inputs, so be open to learning and experimenting with Copilot and try different things to see what works best. Use friendly language like you would with a colleague to get better results. Be polite and use polite professional language to help improve quality. If at first you don't succeed, try again. Embrace your learning curve, remain flexible, and try more than one approach.
+Original Content:
+Copilot is a co-creator, not a solo artist. It works best when you collaborate with it, provide feedback, and iterate on the results. You should also use your own creativity, logic, and judgment to improve the outputs. &lt;should we point to the WTI here on the skills needed for AI Aptitude?&gt;Use the best ingredients. You  ll unlock more value when you optimize the ingredients of your prompt to Copilot (see next section)
+Copilot is a learn-it-all, not a know-it-all. The model is learning from your inputs. You should also be open to learning and experimenting with Copilot and try different things to see what works best.[KS17] [ME18]
+Copilot is a partner. Use friendly language like you would with a colleague to get better results. Rude, abusive, or slang language can cause confusion in the large language model (LLM).[KS19] [ME20] [MY21] Be polite. Using polite professional language helps improve quality, not because Copilot has feelings, but because the LLMs  responses reflect the probability of how a human would respond.
+If at first you don t succeed, try again.  Copilot is based on stable yet constantly evolving technology.  Embrace your learning curve, remain flexible, and try more than one approach.
+</a:t>
+            </a:r>
+          </a:p>
+        </p:txBody>
+      </p:sp>
+      <p:sp>
+        <p:nvSpPr>
+          <p:cNvPr id="4" name="Slide Number Placeholder 3"/>
+          <p:cNvSpPr>
+            <a:spLocks noGrp="1"/>
+          </p:cNvSpPr>
+          <p:nvPr>
+            <p:ph type="sldNum" sz="quarter" idx="5"/>
+          </p:nvPr>
+        </p:nvSpPr>
+        <p:spPr/>
+        <p:txBody>
+          <a:bodyPr/>
+          <a:lstStyle/>
+          <a:p>
+            <a:fld id="{C5521470-9FAA-4951-9B94-CBCD454B3E75}" type="slidenum">
+              <a:rPr lang="en-US" smtClean="0"/>
+              <a:t>6</a:t>
+            </a:fld>
+            <a:endParaRPr lang="en-US"/>
+          </a:p>
+        </p:txBody>
+      </p:sp>
+    </p:spTree>
+    <p:extLst>
+      <p:ext uri="{BB962C8B-B14F-4D97-AF65-F5344CB8AC3E}">
+        <p14:creationId xmlns:p14="http://schemas.microsoft.com/office/powerpoint/2010/main" val="3208994968"/>
+      </p:ext>
+    </p:extLst>
+  </p:cSld>
+  <p:clrMapOvr>
+    <a:masterClrMapping/>
+  </p:clrMapOvr>
+</p:notes>
+</file>
+
 <file path=ppt/slideLayouts/slideLayout1.xml><?xml version="1.0" encoding="utf-8"?>
 <p:sldLayout xmlns:a="http://schemas.openxmlformats.org/drawingml/2006/main" xmlns:r="http://schemas.openxmlformats.org/officeDocument/2006/relationships" xmlns:p="http://schemas.openxmlformats.org/presentationml/2006/main" type="title" preserve="1">
   <p:cSld name="Title Slide">
@@ -828,7 +1080,7 @@
           <a:p>
             <a:fld id="{17F50B8E-A176-49F2-A3C1-FEDA0200170B}" type="datetime2">
               <a:rPr lang="en-US" smtClean="0"/>
-              <a:t>Wednesday, December 20, 2023</a:t>
+              <a:t>Thursday, January 4, 2024</a:t>
             </a:fld>
             <a:endParaRPr lang="en-US" dirty="0"/>
           </a:p>
@@ -1037,7 +1289,7 @@
           <a:p>
             <a:fld id="{0512A49D-4A7C-4944-9802-8EE0B5A6CEDD}" type="datetime2">
               <a:rPr lang="en-US" smtClean="0"/>
-              <a:t>Wednesday, December 20, 2023</a:t>
+              <a:t>Thursday, January 4, 2024</a:t>
             </a:fld>
             <a:endParaRPr lang="en-US"/>
           </a:p>
@@ -1250,7 +1502,7 @@
           <a:p>
             <a:fld id="{5D689DDD-3B11-4150-8B39-3662C10D8BF9}" type="datetime2">
               <a:rPr lang="en-US" smtClean="0"/>
-              <a:t>Wednesday, December 20, 2023</a:t>
+              <a:t>Thursday, January 4, 2024</a:t>
             </a:fld>
             <a:endParaRPr lang="en-US"/>
           </a:p>
@@ -1474,7 +1726,7 @@
           <a:p>
             <a:fld id="{57997BA6-BEF8-495F-ACCD-8D19769E4FC6}" type="datetime2">
               <a:rPr lang="en-US" smtClean="0"/>
-              <a:t>Wednesday, December 20, 2023</a:t>
+              <a:t>Thursday, January 4, 2024</a:t>
             </a:fld>
             <a:endParaRPr lang="en-US" dirty="0"/>
           </a:p>
@@ -1757,7 +2009,7 @@
           <a:p>
             <a:fld id="{4857292D-4609-4E55-92E3-C12C6A1234E8}" type="datetime2">
               <a:rPr lang="en-US" smtClean="0"/>
-              <a:t>Wednesday, December 20, 2023</a:t>
+              <a:t>Thursday, January 4, 2024</a:t>
             </a:fld>
             <a:endParaRPr lang="en-US" dirty="0"/>
           </a:p>
@@ -2140,7 +2392,7 @@
           <a:p>
             <a:fld id="{003E0E29-2C79-4A2A-B61C-A21B8362A50A}" type="datetime2">
               <a:rPr lang="en-US" smtClean="0"/>
-              <a:t>Wednesday, December 20, 2023</a:t>
+              <a:t>Thursday, January 4, 2024</a:t>
             </a:fld>
             <a:endParaRPr lang="en-US"/>
           </a:p>
@@ -2634,7 +2886,7 @@
           <a:p>
             <a:fld id="{B0CA0177-5432-41AC-9593-8EC96BFF4F82}" type="datetime2">
               <a:rPr lang="en-US" smtClean="0"/>
-              <a:t>Wednesday, December 20, 2023</a:t>
+              <a:t>Thursday, January 4, 2024</a:t>
             </a:fld>
             <a:endParaRPr lang="en-US" dirty="0"/>
           </a:p>
@@ -2790,7 +3042,7 @@
           <a:p>
             <a:fld id="{EED29A7B-B2F1-41A3-B969-4E25F618B967}" type="datetime2">
               <a:rPr lang="en-US" smtClean="0"/>
-              <a:t>Wednesday, December 20, 2023</a:t>
+              <a:t>Thursday, January 4, 2024</a:t>
             </a:fld>
             <a:endParaRPr lang="en-US" dirty="0"/>
           </a:p>
@@ -3200,7 +3452,7 @@
           <a:p>
             <a:fld id="{4EE98B79-F222-4FD1-8713-07459E1B5004}" type="datetime2">
               <a:rPr lang="en-US" smtClean="0"/>
-              <a:t>Wednesday, December 20, 2023</a:t>
+              <a:t>Thursday, January 4, 2024</a:t>
             </a:fld>
             <a:endParaRPr lang="en-US"/>
           </a:p>
@@ -3522,7 +3774,7 @@
           <a:p>
             <a:fld id="{792630FD-0818-4065-B5FE-410552D9B1BC}" type="datetime2">
               <a:rPr lang="en-US" smtClean="0"/>
-              <a:t>Wednesday, December 20, 2023</a:t>
+              <a:t>Thursday, January 4, 2024</a:t>
             </a:fld>
             <a:endParaRPr lang="en-US"/>
           </a:p>
@@ -3824,7 +4076,7 @@
           <a:p>
             <a:fld id="{93C2D289-0EBF-40C7-B6E8-60285281F180}" type="datetime2">
               <a:rPr lang="en-US" smtClean="0"/>
-              <a:t>Wednesday, December 20, 2023</a:t>
+              <a:t>Thursday, January 4, 2024</a:t>
             </a:fld>
             <a:endParaRPr lang="en-US"/>
           </a:p>
@@ -4359,7 +4611,7 @@
           <a:p>
             <a:fld id="{94CDC665-7415-4DAF-AE09-B9BBC1907393}" type="datetime2">
               <a:rPr lang="en-US" smtClean="0"/>
-              <a:t>Wednesday, December 20, 2023</a:t>
+              <a:t>Thursday, January 4, 2024</a:t>
             </a:fld>
             <a:endParaRPr lang="en-US" dirty="0"/>
           </a:p>
@@ -5527,6 +5779,524 @@
       </p:grpSpPr>
       <p:sp>
         <p:nvSpPr>
+          <p:cNvPr id="3" name="Content Placeholder 2">
+            <a:extLst>
+              <a:ext uri="{FF2B5EF4-FFF2-40B4-BE49-F238E27FC236}">
+                <a16:creationId xmlns:a16="http://schemas.microsoft.com/office/drawing/2014/main" id="{148321E6-F91F-F7FD-2745-477F8A58B6FB}"/>
+              </a:ext>
+            </a:extLst>
+          </p:cNvPr>
+          <p:cNvSpPr>
+            <a:spLocks noGrp="1"/>
+          </p:cNvSpPr>
+          <p:nvPr>
+            <p:ph idx="1"/>
+          </p:nvPr>
+        </p:nvSpPr>
+        <p:spPr>
+          <a:xfrm>
+            <a:off x="1423468" y="667512"/>
+            <a:ext cx="10654232" cy="5435683"/>
+          </a:xfrm>
+        </p:spPr>
+        <p:txBody>
+          <a:bodyPr>
+            <a:normAutofit/>
+          </a:bodyPr>
+          <a:lstStyle/>
+          <a:p>
+            <a:pPr marL="0" indent="0">
+              <a:buNone/>
+            </a:pPr>
+            <a:r>
+              <a:rPr lang="en-US" sz="4400" b="1" dirty="0"/>
+              <a:t>Prompting – Best Practices</a:t>
+            </a:r>
+          </a:p>
+          <a:p>
+            <a:pPr algn="l"/>
+            <a:r>
+              <a:rPr lang="en-US" b="1" i="0" u="none" strike="noStrike" dirty="0">
+                <a:effectLst/>
+                <a:latin typeface="-apple-system-font"/>
+              </a:rPr>
+              <a:t> Give GitHub Copilot an example or two</a:t>
+            </a:r>
+          </a:p>
+          <a:p>
+            <a:pPr lvl="1"/>
+            <a:r>
+              <a:rPr lang="en-US" b="0" i="0" u="none" strike="noStrike" dirty="0">
+                <a:effectLst/>
+                <a:latin typeface="-apple-system-font"/>
+              </a:rPr>
+              <a:t>Learning from examples is not only useful for humans, but also for your AI pair programmer.</a:t>
+            </a:r>
+            <a:endParaRPr lang="en-US" dirty="0"/>
+          </a:p>
+        </p:txBody>
+      </p:sp>
+      <p:sp>
+        <p:nvSpPr>
+          <p:cNvPr id="4" name="Date Placeholder 3">
+            <a:extLst>
+              <a:ext uri="{FF2B5EF4-FFF2-40B4-BE49-F238E27FC236}">
+                <a16:creationId xmlns:a16="http://schemas.microsoft.com/office/drawing/2014/main" id="{801B4FD5-DB95-B31B-78F2-33F13EF577C2}"/>
+              </a:ext>
+            </a:extLst>
+          </p:cNvPr>
+          <p:cNvSpPr>
+            <a:spLocks noGrp="1"/>
+          </p:cNvSpPr>
+          <p:nvPr>
+            <p:ph type="dt" sz="half" idx="10"/>
+          </p:nvPr>
+        </p:nvSpPr>
+        <p:spPr/>
+        <p:txBody>
+          <a:bodyPr/>
+          <a:lstStyle/>
+          <a:p>
+            <a:fld id="{57997BA6-BEF8-495F-ACCD-8D19769E4FC6}" type="datetime2">
+              <a:rPr lang="en-US" smtClean="0"/>
+              <a:t>Thursday, January 4, 2024</a:t>
+            </a:fld>
+            <a:endParaRPr lang="en-US" dirty="0"/>
+          </a:p>
+        </p:txBody>
+      </p:sp>
+      <p:sp>
+        <p:nvSpPr>
+          <p:cNvPr id="5" name="Footer Placeholder 4">
+            <a:extLst>
+              <a:ext uri="{FF2B5EF4-FFF2-40B4-BE49-F238E27FC236}">
+                <a16:creationId xmlns:a16="http://schemas.microsoft.com/office/drawing/2014/main" id="{D4ECD59A-7298-C3B3-CD76-FEC4DDE5250F}"/>
+              </a:ext>
+            </a:extLst>
+          </p:cNvPr>
+          <p:cNvSpPr>
+            <a:spLocks noGrp="1"/>
+          </p:cNvSpPr>
+          <p:nvPr>
+            <p:ph type="ftr" sz="quarter" idx="11"/>
+          </p:nvPr>
+        </p:nvSpPr>
+        <p:spPr/>
+        <p:txBody>
+          <a:bodyPr/>
+          <a:lstStyle/>
+          <a:p>
+            <a:pPr>
+              <a:spcAft>
+                <a:spcPts val="600"/>
+              </a:spcAft>
+            </a:pPr>
+            <a:r>
+              <a:rPr lang="en-US" dirty="0"/>
+              <a:t>GitHub Copilot Workshop</a:t>
+            </a:r>
+          </a:p>
+        </p:txBody>
+      </p:sp>
+      <p:sp>
+        <p:nvSpPr>
+          <p:cNvPr id="6" name="Slide Number Placeholder 5">
+            <a:extLst>
+              <a:ext uri="{FF2B5EF4-FFF2-40B4-BE49-F238E27FC236}">
+                <a16:creationId xmlns:a16="http://schemas.microsoft.com/office/drawing/2014/main" id="{97B3B3E1-B781-AD28-0D34-29FAFC0D7EA6}"/>
+              </a:ext>
+            </a:extLst>
+          </p:cNvPr>
+          <p:cNvSpPr>
+            <a:spLocks noGrp="1"/>
+          </p:cNvSpPr>
+          <p:nvPr>
+            <p:ph type="sldNum" sz="quarter" idx="12"/>
+          </p:nvPr>
+        </p:nvSpPr>
+        <p:spPr/>
+        <p:txBody>
+          <a:bodyPr/>
+          <a:lstStyle/>
+          <a:p>
+            <a:fld id="{7BE69E03-4804-4553-A1EC-F089884EF50F}" type="slidenum">
+              <a:rPr lang="en-US" smtClean="0"/>
+              <a:t>10</a:t>
+            </a:fld>
+            <a:endParaRPr lang="en-US"/>
+          </a:p>
+        </p:txBody>
+      </p:sp>
+      <p:pic>
+        <p:nvPicPr>
+          <p:cNvPr id="2" name="Picture 1">
+            <a:extLst>
+              <a:ext uri="{FF2B5EF4-FFF2-40B4-BE49-F238E27FC236}">
+                <a16:creationId xmlns:a16="http://schemas.microsoft.com/office/drawing/2014/main" id="{D3D4CD06-4BA5-A84E-C401-2955686536C2}"/>
+              </a:ext>
+            </a:extLst>
+          </p:cNvPr>
+          <p:cNvPicPr>
+            <a:picLocks noChangeAspect="1"/>
+          </p:cNvPicPr>
+          <p:nvPr/>
+        </p:nvPicPr>
+        <p:blipFill>
+          <a:blip r:embed="rId2"/>
+          <a:stretch>
+            <a:fillRect/>
+          </a:stretch>
+        </p:blipFill>
+        <p:spPr>
+          <a:xfrm>
+            <a:off x="2415540" y="2781300"/>
+            <a:ext cx="3600450" cy="3787140"/>
+          </a:xfrm>
+          <a:prstGeom prst="rect">
+            <a:avLst/>
+          </a:prstGeom>
+        </p:spPr>
+      </p:pic>
+      <p:pic>
+        <p:nvPicPr>
+          <p:cNvPr id="7" name="Picture 6">
+            <a:extLst>
+              <a:ext uri="{FF2B5EF4-FFF2-40B4-BE49-F238E27FC236}">
+                <a16:creationId xmlns:a16="http://schemas.microsoft.com/office/drawing/2014/main" id="{ACDC3B62-8B4E-5BA7-6C65-B4B2017465F2}"/>
+              </a:ext>
+            </a:extLst>
+          </p:cNvPr>
+          <p:cNvPicPr>
+            <a:picLocks noChangeAspect="1"/>
+          </p:cNvPicPr>
+          <p:nvPr/>
+        </p:nvPicPr>
+        <p:blipFill>
+          <a:blip r:embed="rId3"/>
+          <a:stretch>
+            <a:fillRect/>
+          </a:stretch>
+        </p:blipFill>
+        <p:spPr>
+          <a:xfrm>
+            <a:off x="7213462" y="2548678"/>
+            <a:ext cx="3666766" cy="3787140"/>
+          </a:xfrm>
+          <a:prstGeom prst="rect">
+            <a:avLst/>
+          </a:prstGeom>
+        </p:spPr>
+      </p:pic>
+    </p:spTree>
+    <p:extLst>
+      <p:ext uri="{BB962C8B-B14F-4D97-AF65-F5344CB8AC3E}">
+        <p14:creationId xmlns:p14="http://schemas.microsoft.com/office/powerpoint/2010/main" val="1184927754"/>
+      </p:ext>
+    </p:extLst>
+  </p:cSld>
+  <p:clrMapOvr>
+    <a:masterClrMapping/>
+  </p:clrMapOvr>
+</p:sld>
+</file>
+
+<file path=ppt/slides/slide11.xml><?xml version="1.0" encoding="utf-8"?>
+<p:sld xmlns:a="http://schemas.openxmlformats.org/drawingml/2006/main" xmlns:r="http://schemas.openxmlformats.org/officeDocument/2006/relationships" xmlns:p="http://schemas.openxmlformats.org/presentationml/2006/main">
+  <p:cSld>
+    <p:spTree>
+      <p:nvGrpSpPr>
+        <p:cNvPr id="1" name=""/>
+        <p:cNvGrpSpPr/>
+        <p:nvPr/>
+      </p:nvGrpSpPr>
+      <p:grpSpPr>
+        <a:xfrm>
+          <a:off x="0" y="0"/>
+          <a:ext cx="0" cy="0"/>
+          <a:chOff x="0" y="0"/>
+          <a:chExt cx="0" cy="0"/>
+        </a:xfrm>
+      </p:grpSpPr>
+      <p:sp>
+        <p:nvSpPr>
+          <p:cNvPr id="3" name="Content Placeholder 2">
+            <a:extLst>
+              <a:ext uri="{FF2B5EF4-FFF2-40B4-BE49-F238E27FC236}">
+                <a16:creationId xmlns:a16="http://schemas.microsoft.com/office/drawing/2014/main" id="{148321E6-F91F-F7FD-2745-477F8A58B6FB}"/>
+              </a:ext>
+            </a:extLst>
+          </p:cNvPr>
+          <p:cNvSpPr>
+            <a:spLocks noGrp="1"/>
+          </p:cNvSpPr>
+          <p:nvPr>
+            <p:ph idx="1"/>
+          </p:nvPr>
+        </p:nvSpPr>
+        <p:spPr>
+          <a:xfrm>
+            <a:off x="1423468" y="667512"/>
+            <a:ext cx="10654232" cy="5435683"/>
+          </a:xfrm>
+        </p:spPr>
+        <p:txBody>
+          <a:bodyPr>
+            <a:normAutofit/>
+          </a:bodyPr>
+          <a:lstStyle/>
+          <a:p>
+            <a:pPr marL="0" indent="0">
+              <a:buNone/>
+            </a:pPr>
+            <a:r>
+              <a:rPr lang="en-US" sz="4400" b="1" dirty="0"/>
+              <a:t>Prompting – Basics</a:t>
+            </a:r>
+          </a:p>
+          <a:p>
+            <a:pPr algn="l"/>
+            <a:r>
+              <a:rPr lang="en-US" sz="1800" b="1" i="0" u="none" strike="noStrike" dirty="0">
+                <a:effectLst/>
+                <a:latin typeface="-apple-system-font"/>
+              </a:rPr>
+              <a:t>  Experiment with your prompts.</a:t>
+            </a:r>
+          </a:p>
+          <a:p>
+            <a:pPr lvl="1"/>
+            <a:r>
+              <a:rPr lang="en-US" sz="1800" b="0" i="0" u="none" strike="noStrike" dirty="0">
+                <a:effectLst/>
+                <a:latin typeface="-apple-system-font"/>
+              </a:rPr>
+              <a:t>Just how conversation is more of an art than a science, so is prompt crafting. So, if you don’t receive what you want on the first try, recraft your prompt by following the best practices in the previous slides.</a:t>
+            </a:r>
+          </a:p>
+          <a:p>
+            <a:r>
+              <a:rPr lang="en-US" sz="1800" b="1" i="0" u="none" strike="noStrike" dirty="0">
+                <a:effectLst/>
+                <a:latin typeface="-apple-system-font"/>
+              </a:rPr>
+              <a:t> Keep a couple of relevant tabs open</a:t>
+            </a:r>
+          </a:p>
+          <a:p>
+            <a:pPr lvl="1"/>
+            <a:r>
+              <a:rPr lang="en-US" sz="1800" b="0" i="0" u="none" strike="noStrike" dirty="0">
+                <a:effectLst/>
+                <a:latin typeface="-apple-system-font"/>
+              </a:rPr>
+              <a:t>No exact number of tabs is documented that you should keep open to help GitHub Copilot contextualize your code, but from my experience, I found that one or two is helpful.</a:t>
+            </a:r>
+          </a:p>
+          <a:p>
+            <a:pPr lvl="1"/>
+            <a:r>
+              <a:rPr lang="en-US" sz="1800" b="0" i="0" u="none" strike="noStrike" dirty="0">
+                <a:solidFill>
+                  <a:srgbClr val="5AC8FA"/>
+                </a:solidFill>
+                <a:effectLst/>
+                <a:latin typeface="-apple-system-font"/>
+                <a:hlinkClick r:id="rId2"/>
+              </a:rPr>
+              <a:t>GitHub Copilot uses a technique called neighboring tabs</a:t>
+            </a:r>
+            <a:r>
+              <a:rPr lang="en-US" sz="1800" b="0" i="0" u="none" strike="noStrike" dirty="0">
+                <a:effectLst/>
+                <a:latin typeface="-apple-system-font"/>
+              </a:rPr>
+              <a:t> that allows the AI pair programmer to contextualize your code by processing all of the files open in your IDE instead of just the single file you’re working on. However, it’s not guaranteed that Github Copilot will deem all open files as necessary context for your code.</a:t>
+            </a:r>
+          </a:p>
+          <a:p>
+            <a:r>
+              <a:rPr lang="en-US" sz="1800" b="1" i="0" u="none" strike="noStrike" dirty="0">
+                <a:effectLst/>
+                <a:latin typeface="-apple-system-font"/>
+              </a:rPr>
+              <a:t> Use good coding practices.</a:t>
+            </a:r>
+          </a:p>
+          <a:p>
+            <a:pPr lvl="1"/>
+            <a:r>
+              <a:rPr lang="en-US" sz="1800" b="0" i="0" u="none" strike="noStrike" dirty="0">
+                <a:effectLst/>
+                <a:latin typeface="-apple-system-font"/>
+              </a:rPr>
+              <a:t>Provide descriptive variable names and functions.  </a:t>
+            </a:r>
+            <a:r>
+              <a:rPr lang="en-US" sz="1800" dirty="0">
+                <a:latin typeface="-apple-system-font"/>
+              </a:rPr>
+              <a:t>F</a:t>
+            </a:r>
+            <a:r>
+              <a:rPr lang="en-US" sz="1800" b="0" i="0" u="none" strike="noStrike" dirty="0">
+                <a:effectLst/>
+                <a:latin typeface="-apple-system-font"/>
+              </a:rPr>
+              <a:t>ollow consistent coding styles and patterns. I’ve found that working with GitHub Copilot encourages me to follow good coding practices learned throughout </a:t>
+            </a:r>
+            <a:r>
+              <a:rPr lang="en-US" sz="1800" dirty="0">
+                <a:latin typeface="-apple-system-font"/>
+              </a:rPr>
+              <a:t>my development </a:t>
+            </a:r>
+            <a:r>
+              <a:rPr lang="en-US" sz="1800" b="0" i="0" u="none" strike="noStrike" dirty="0">
+                <a:effectLst/>
+                <a:latin typeface="-apple-system-font"/>
+              </a:rPr>
+              <a:t>career.</a:t>
+            </a:r>
+            <a:endParaRPr lang="en-US" sz="1800" b="1" i="0" u="none" strike="noStrike" dirty="0">
+              <a:effectLst/>
+              <a:latin typeface="-apple-system-font"/>
+            </a:endParaRPr>
+          </a:p>
+          <a:p>
+            <a:endParaRPr lang="en-US" b="1" i="0" u="none" strike="noStrike" dirty="0">
+              <a:effectLst/>
+              <a:latin typeface="-apple-system-font"/>
+            </a:endParaRPr>
+          </a:p>
+          <a:p>
+            <a:pPr lvl="1"/>
+            <a:endParaRPr lang="en-US" dirty="0"/>
+          </a:p>
+        </p:txBody>
+      </p:sp>
+      <p:sp>
+        <p:nvSpPr>
+          <p:cNvPr id="4" name="Date Placeholder 3">
+            <a:extLst>
+              <a:ext uri="{FF2B5EF4-FFF2-40B4-BE49-F238E27FC236}">
+                <a16:creationId xmlns:a16="http://schemas.microsoft.com/office/drawing/2014/main" id="{801B4FD5-DB95-B31B-78F2-33F13EF577C2}"/>
+              </a:ext>
+            </a:extLst>
+          </p:cNvPr>
+          <p:cNvSpPr>
+            <a:spLocks noGrp="1"/>
+          </p:cNvSpPr>
+          <p:nvPr>
+            <p:ph type="dt" sz="half" idx="10"/>
+          </p:nvPr>
+        </p:nvSpPr>
+        <p:spPr/>
+        <p:txBody>
+          <a:bodyPr/>
+          <a:lstStyle/>
+          <a:p>
+            <a:fld id="{57997BA6-BEF8-495F-ACCD-8D19769E4FC6}" type="datetime2">
+              <a:rPr lang="en-US" smtClean="0"/>
+              <a:t>Thursday, January 4, 2024</a:t>
+            </a:fld>
+            <a:endParaRPr lang="en-US" dirty="0"/>
+          </a:p>
+        </p:txBody>
+      </p:sp>
+      <p:sp>
+        <p:nvSpPr>
+          <p:cNvPr id="5" name="Footer Placeholder 4">
+            <a:extLst>
+              <a:ext uri="{FF2B5EF4-FFF2-40B4-BE49-F238E27FC236}">
+                <a16:creationId xmlns:a16="http://schemas.microsoft.com/office/drawing/2014/main" id="{D4ECD59A-7298-C3B3-CD76-FEC4DDE5250F}"/>
+              </a:ext>
+            </a:extLst>
+          </p:cNvPr>
+          <p:cNvSpPr>
+            <a:spLocks noGrp="1"/>
+          </p:cNvSpPr>
+          <p:nvPr>
+            <p:ph type="ftr" sz="quarter" idx="11"/>
+          </p:nvPr>
+        </p:nvSpPr>
+        <p:spPr/>
+        <p:txBody>
+          <a:bodyPr/>
+          <a:lstStyle/>
+          <a:p>
+            <a:pPr>
+              <a:spcAft>
+                <a:spcPts val="600"/>
+              </a:spcAft>
+            </a:pPr>
+            <a:r>
+              <a:rPr lang="en-US" dirty="0"/>
+              <a:t>GitHub Copilot Workshop</a:t>
+            </a:r>
+          </a:p>
+        </p:txBody>
+      </p:sp>
+      <p:sp>
+        <p:nvSpPr>
+          <p:cNvPr id="6" name="Slide Number Placeholder 5">
+            <a:extLst>
+              <a:ext uri="{FF2B5EF4-FFF2-40B4-BE49-F238E27FC236}">
+                <a16:creationId xmlns:a16="http://schemas.microsoft.com/office/drawing/2014/main" id="{97B3B3E1-B781-AD28-0D34-29FAFC0D7EA6}"/>
+              </a:ext>
+            </a:extLst>
+          </p:cNvPr>
+          <p:cNvSpPr>
+            <a:spLocks noGrp="1"/>
+          </p:cNvSpPr>
+          <p:nvPr>
+            <p:ph type="sldNum" sz="quarter" idx="12"/>
+          </p:nvPr>
+        </p:nvSpPr>
+        <p:spPr/>
+        <p:txBody>
+          <a:bodyPr/>
+          <a:lstStyle/>
+          <a:p>
+            <a:fld id="{7BE69E03-4804-4553-A1EC-F089884EF50F}" type="slidenum">
+              <a:rPr lang="en-US" smtClean="0"/>
+              <a:t>11</a:t>
+            </a:fld>
+            <a:endParaRPr lang="en-US"/>
+          </a:p>
+        </p:txBody>
+      </p:sp>
+    </p:spTree>
+    <p:extLst>
+      <p:ext uri="{BB962C8B-B14F-4D97-AF65-F5344CB8AC3E}">
+        <p14:creationId xmlns:p14="http://schemas.microsoft.com/office/powerpoint/2010/main" val="2313802213"/>
+      </p:ext>
+    </p:extLst>
+  </p:cSld>
+  <p:clrMapOvr>
+    <a:masterClrMapping/>
+  </p:clrMapOvr>
+</p:sld>
+</file>
+
+<file path=ppt/slides/slide12.xml><?xml version="1.0" encoding="utf-8"?>
+<p:sld xmlns:a="http://schemas.openxmlformats.org/drawingml/2006/main" xmlns:r="http://schemas.openxmlformats.org/officeDocument/2006/relationships" xmlns:p="http://schemas.openxmlformats.org/presentationml/2006/main">
+  <p:cSld>
+    <p:spTree>
+      <p:nvGrpSpPr>
+        <p:cNvPr id="1" name=""/>
+        <p:cNvGrpSpPr/>
+        <p:nvPr/>
+      </p:nvGrpSpPr>
+      <p:grpSpPr>
+        <a:xfrm>
+          <a:off x="0" y="0"/>
+          <a:ext cx="0" cy="0"/>
+          <a:chOff x="0" y="0"/>
+          <a:chExt cx="0" cy="0"/>
+        </a:xfrm>
+      </p:grpSpPr>
+      <p:sp>
+        <p:nvSpPr>
           <p:cNvPr id="2" name="Title 1">
             <a:extLst>
               <a:ext uri="{FF2B5EF4-FFF2-40B4-BE49-F238E27FC236}">
@@ -5611,7 +6381,7 @@
           <a:p>
             <a:fld id="{57997BA6-BEF8-495F-ACCD-8D19769E4FC6}" type="datetime2">
               <a:rPr lang="en-US" smtClean="0"/>
-              <a:t>Wednesday, December 20, 2023</a:t>
+              <a:t>Thursday, January 4, 2024</a:t>
             </a:fld>
             <a:endParaRPr lang="en-US" dirty="0"/>
           </a:p>
@@ -5673,7 +6443,7 @@
           <a:p>
             <a:fld id="{7BE69E03-4804-4553-A1EC-F089884EF50F}" type="slidenum">
               <a:rPr lang="en-US" smtClean="0"/>
-              <a:t>10</a:t>
+              <a:t>12</a:t>
             </a:fld>
             <a:endParaRPr lang="en-US"/>
           </a:p>
@@ -6454,7 +7224,7 @@
 </p:sld>
 </file>
 
-<file path=ppt/slides/slide11.xml><?xml version="1.0" encoding="utf-8"?>
+<file path=ppt/slides/slide13.xml><?xml version="1.0" encoding="utf-8"?>
 <p:sld xmlns:a="http://schemas.openxmlformats.org/drawingml/2006/main" xmlns:r="http://schemas.openxmlformats.org/officeDocument/2006/relationships" xmlns:p="http://schemas.openxmlformats.org/presentationml/2006/main">
   <p:cSld>
     <p:spTree>
@@ -6473,6 +7243,176 @@
       </p:grpSpPr>
       <p:sp>
         <p:nvSpPr>
+          <p:cNvPr id="2" name="Title 1">
+            <a:extLst>
+              <a:ext uri="{FF2B5EF4-FFF2-40B4-BE49-F238E27FC236}">
+                <a16:creationId xmlns:a16="http://schemas.microsoft.com/office/drawing/2014/main" id="{1E1AAB16-E853-C85C-FD80-A4234062569C}"/>
+              </a:ext>
+            </a:extLst>
+          </p:cNvPr>
+          <p:cNvSpPr>
+            <a:spLocks noGrp="1"/>
+          </p:cNvSpPr>
+          <p:nvPr>
+            <p:ph type="title"/>
+          </p:nvPr>
+        </p:nvSpPr>
+        <p:spPr/>
+        <p:txBody>
+          <a:bodyPr/>
+          <a:lstStyle/>
+          <a:p>
+            <a:r>
+              <a:rPr lang="en-US" dirty="0"/>
+              <a:t>Prompting Exercise – With Dall-E</a:t>
+            </a:r>
+          </a:p>
+        </p:txBody>
+      </p:sp>
+      <p:sp>
+        <p:nvSpPr>
+          <p:cNvPr id="3" name="Content Placeholder 2">
+            <a:extLst>
+              <a:ext uri="{FF2B5EF4-FFF2-40B4-BE49-F238E27FC236}">
+                <a16:creationId xmlns:a16="http://schemas.microsoft.com/office/drawing/2014/main" id="{7294AC07-40CA-6541-5B32-CC628EE0409C}"/>
+              </a:ext>
+            </a:extLst>
+          </p:cNvPr>
+          <p:cNvSpPr>
+            <a:spLocks noGrp="1"/>
+          </p:cNvSpPr>
+          <p:nvPr>
+            <p:ph idx="1"/>
+          </p:nvPr>
+        </p:nvSpPr>
+        <p:spPr/>
+        <p:txBody>
+          <a:bodyPr/>
+          <a:lstStyle/>
+          <a:p>
+            <a:endParaRPr lang="en-US"/>
+          </a:p>
+        </p:txBody>
+      </p:sp>
+      <p:sp>
+        <p:nvSpPr>
+          <p:cNvPr id="4" name="Date Placeholder 3">
+            <a:extLst>
+              <a:ext uri="{FF2B5EF4-FFF2-40B4-BE49-F238E27FC236}">
+                <a16:creationId xmlns:a16="http://schemas.microsoft.com/office/drawing/2014/main" id="{CB9B0FA9-FC8B-1544-27AB-9DBB792A4E0D}"/>
+              </a:ext>
+            </a:extLst>
+          </p:cNvPr>
+          <p:cNvSpPr>
+            <a:spLocks noGrp="1"/>
+          </p:cNvSpPr>
+          <p:nvPr>
+            <p:ph type="dt" sz="half" idx="10"/>
+          </p:nvPr>
+        </p:nvSpPr>
+        <p:spPr/>
+        <p:txBody>
+          <a:bodyPr/>
+          <a:lstStyle/>
+          <a:p>
+            <a:fld id="{57997BA6-BEF8-495F-ACCD-8D19769E4FC6}" type="datetime2">
+              <a:rPr lang="en-US" smtClean="0"/>
+              <a:t>Thursday, January 4, 2024</a:t>
+            </a:fld>
+            <a:endParaRPr lang="en-US" dirty="0"/>
+          </a:p>
+        </p:txBody>
+      </p:sp>
+      <p:sp>
+        <p:nvSpPr>
+          <p:cNvPr id="5" name="Footer Placeholder 4">
+            <a:extLst>
+              <a:ext uri="{FF2B5EF4-FFF2-40B4-BE49-F238E27FC236}">
+                <a16:creationId xmlns:a16="http://schemas.microsoft.com/office/drawing/2014/main" id="{785F0B5F-8FE8-3498-39B6-B9CA3D9F1F26}"/>
+              </a:ext>
+            </a:extLst>
+          </p:cNvPr>
+          <p:cNvSpPr>
+            <a:spLocks noGrp="1"/>
+          </p:cNvSpPr>
+          <p:nvPr>
+            <p:ph type="ftr" sz="quarter" idx="11"/>
+          </p:nvPr>
+        </p:nvSpPr>
+        <p:spPr/>
+        <p:txBody>
+          <a:bodyPr/>
+          <a:lstStyle/>
+          <a:p>
+            <a:r>
+              <a:rPr lang="en-US"/>
+              <a:t>Sample Footer Text</a:t>
+            </a:r>
+            <a:endParaRPr lang="en-US" dirty="0"/>
+          </a:p>
+        </p:txBody>
+      </p:sp>
+      <p:sp>
+        <p:nvSpPr>
+          <p:cNvPr id="6" name="Slide Number Placeholder 5">
+            <a:extLst>
+              <a:ext uri="{FF2B5EF4-FFF2-40B4-BE49-F238E27FC236}">
+                <a16:creationId xmlns:a16="http://schemas.microsoft.com/office/drawing/2014/main" id="{9C2B9416-DC40-3341-1842-C5E3EDDA6D78}"/>
+              </a:ext>
+            </a:extLst>
+          </p:cNvPr>
+          <p:cNvSpPr>
+            <a:spLocks noGrp="1"/>
+          </p:cNvSpPr>
+          <p:nvPr>
+            <p:ph type="sldNum" sz="quarter" idx="12"/>
+          </p:nvPr>
+        </p:nvSpPr>
+        <p:spPr/>
+        <p:txBody>
+          <a:bodyPr/>
+          <a:lstStyle/>
+          <a:p>
+            <a:fld id="{7BE69E03-4804-4553-A1EC-F089884EF50F}" type="slidenum">
+              <a:rPr lang="en-US" smtClean="0"/>
+              <a:t>13</a:t>
+            </a:fld>
+            <a:endParaRPr lang="en-US"/>
+          </a:p>
+        </p:txBody>
+      </p:sp>
+    </p:spTree>
+    <p:extLst>
+      <p:ext uri="{BB962C8B-B14F-4D97-AF65-F5344CB8AC3E}">
+        <p14:creationId xmlns:p14="http://schemas.microsoft.com/office/powerpoint/2010/main" val="1601495756"/>
+      </p:ext>
+    </p:extLst>
+  </p:cSld>
+  <p:clrMapOvr>
+    <a:masterClrMapping/>
+  </p:clrMapOvr>
+</p:sld>
+</file>
+
+<file path=ppt/slides/slide14.xml><?xml version="1.0" encoding="utf-8"?>
+<p:sld xmlns:a="http://schemas.openxmlformats.org/drawingml/2006/main" xmlns:r="http://schemas.openxmlformats.org/officeDocument/2006/relationships" xmlns:p="http://schemas.openxmlformats.org/presentationml/2006/main">
+  <p:cSld>
+    <p:spTree>
+      <p:nvGrpSpPr>
+        <p:cNvPr id="1" name=""/>
+        <p:cNvGrpSpPr/>
+        <p:nvPr/>
+      </p:nvGrpSpPr>
+      <p:grpSpPr>
+        <a:xfrm>
+          <a:off x="0" y="0"/>
+          <a:ext cx="0" cy="0"/>
+          <a:chOff x="0" y="0"/>
+          <a:chExt cx="0" cy="0"/>
+        </a:xfrm>
+      </p:grpSpPr>
+      <p:sp>
+        <p:nvSpPr>
           <p:cNvPr id="3" name="Content Placeholder 2">
             <a:extLst>
               <a:ext uri="{FF2B5EF4-FFF2-40B4-BE49-F238E27FC236}">
@@ -6579,7 +7519,7 @@
           <a:p>
             <a:fld id="{57997BA6-BEF8-495F-ACCD-8D19769E4FC6}" type="datetime2">
               <a:rPr lang="en-US" smtClean="0"/>
-              <a:t>Wednesday, December 20, 2023</a:t>
+              <a:t>Thursday, January 4, 2024</a:t>
             </a:fld>
             <a:endParaRPr lang="en-US" dirty="0"/>
           </a:p>
@@ -6641,7 +7581,7 @@
           <a:p>
             <a:fld id="{7BE69E03-4804-4553-A1EC-F089884EF50F}" type="slidenum">
               <a:rPr lang="en-US" smtClean="0"/>
-              <a:t>11</a:t>
+              <a:t>14</a:t>
             </a:fld>
             <a:endParaRPr lang="en-US"/>
           </a:p>
@@ -7253,8 +8193,8 @@
         </p:blipFill>
         <p:spPr>
           <a:xfrm>
-            <a:off x="422145" y="1530304"/>
-            <a:ext cx="2753096" cy="3707618"/>
+            <a:off x="422145" y="1785655"/>
+            <a:ext cx="2160173" cy="2909124"/>
           </a:xfrm>
           <a:prstGeom prst="rect">
             <a:avLst/>
@@ -7336,19 +8276,21 @@
                   <a:schemeClr val="tx1"/>
                 </a:solidFill>
               </a:rPr>
-              <a:t>CoPilot Setup and CodeSpaces</a:t>
-            </a:r>
-          </a:p>
-          <a:p>
-            <a:pPr lvl="1"/>
-            <a:r>
-              <a:rPr lang="en-US" sz="1800" dirty="0">
+              <a:t>CoPilot Setup and </a:t>
+            </a:r>
+            <a:r>
+              <a:rPr lang="en-US" sz="1800" dirty="0" err="1">
                 <a:solidFill>
                   <a:schemeClr val="tx1"/>
                 </a:solidFill>
               </a:rPr>
-              <a:t>Using CoPilot for Infrastructure as Code – ARM/Terraform</a:t>
-            </a:r>
+              <a:t>CodeSpaces</a:t>
+            </a:r>
+            <a:endParaRPr lang="en-US" sz="1800" dirty="0">
+              <a:solidFill>
+                <a:schemeClr val="tx1"/>
+              </a:solidFill>
+            </a:endParaRPr>
           </a:p>
         </p:txBody>
       </p:sp>
@@ -7392,7 +8334,7 @@
                   <a:spcPts val="600"/>
                 </a:spcAft>
               </a:pPr>
-              <a:t>Wednesday, December 20, 2023</a:t>
+              <a:t>Thursday, January 4, 2024</a:t>
             </a:fld>
             <a:endParaRPr lang="en-US"/>
           </a:p>
@@ -7656,7 +8598,7 @@
           <a:p>
             <a:fld id="{57997BA6-BEF8-495F-ACCD-8D19769E4FC6}" type="datetime2">
               <a:rPr lang="en-US" smtClean="0"/>
-              <a:t>Wednesday, December 20, 2023</a:t>
+              <a:t>Thursday, January 4, 2024</a:t>
             </a:fld>
             <a:endParaRPr lang="en-US" dirty="0"/>
           </a:p>
@@ -7807,7 +8749,7 @@
           <a:p>
             <a:fld id="{57997BA6-BEF8-495F-ACCD-8D19769E4FC6}" type="datetime2">
               <a:rPr lang="en-US" smtClean="0"/>
-              <a:t>Wednesday, December 20, 2023</a:t>
+              <a:t>Thursday, January 4, 2024</a:t>
             </a:fld>
             <a:endParaRPr lang="en-US" dirty="0"/>
           </a:p>
@@ -8293,6 +9235,395 @@
           <a:chExt cx="0" cy="0"/>
         </a:xfrm>
       </p:grpSpPr>
+      <p:sp>
+        <p:nvSpPr>
+          <p:cNvPr id="2" name="Title 1">
+            <a:extLst>
+              <a:ext uri="{FF2B5EF4-FFF2-40B4-BE49-F238E27FC236}">
+                <a16:creationId xmlns:a16="http://schemas.microsoft.com/office/drawing/2014/main" id="{82C279C1-79D2-D4C6-F8CC-C366C0116630}"/>
+              </a:ext>
+            </a:extLst>
+          </p:cNvPr>
+          <p:cNvSpPr>
+            <a:spLocks noGrp="1"/>
+          </p:cNvSpPr>
+          <p:nvPr>
+            <p:ph type="title"/>
+          </p:nvPr>
+        </p:nvSpPr>
+        <p:spPr>
+          <a:xfrm>
+            <a:off x="5080216" y="1076324"/>
+            <a:ext cx="6272784" cy="861533"/>
+          </a:xfrm>
+        </p:spPr>
+        <p:txBody>
+          <a:bodyPr anchor="b">
+            <a:normAutofit/>
+          </a:bodyPr>
+          <a:lstStyle/>
+          <a:p>
+            <a:r>
+              <a:rPr lang="en-US" sz="4000" dirty="0"/>
+              <a:t>Tips for Using GitHub Copilot</a:t>
+            </a:r>
+          </a:p>
+        </p:txBody>
+      </p:sp>
+      <p:pic>
+        <p:nvPicPr>
+          <p:cNvPr id="5" name="Picture 4" descr="Graph on document with pen">
+            <a:extLst>
+              <a:ext uri="{FF2B5EF4-FFF2-40B4-BE49-F238E27FC236}">
+                <a16:creationId xmlns:a16="http://schemas.microsoft.com/office/drawing/2014/main" id="{93669605-AF54-3944-47F4-39BF43E77741}"/>
+              </a:ext>
+            </a:extLst>
+          </p:cNvPr>
+          <p:cNvPicPr>
+            <a:picLocks noChangeAspect="1"/>
+          </p:cNvPicPr>
+          <p:nvPr/>
+        </p:nvPicPr>
+        <p:blipFill rotWithShape="1">
+          <a:blip r:embed="rId3"/>
+          <a:srcRect l="35132" r="21081" b="-3"/>
+          <a:stretch/>
+        </p:blipFill>
+        <p:spPr>
+          <a:xfrm>
+            <a:off x="20" y="10"/>
+            <a:ext cx="4505305" cy="6857990"/>
+          </a:xfrm>
+          <a:prstGeom prst="rect">
+            <a:avLst/>
+          </a:prstGeom>
+        </p:spPr>
+      </p:pic>
+      <p:sp>
+        <p:nvSpPr>
+          <p:cNvPr id="3" name="Content Placeholder 2">
+            <a:extLst>
+              <a:ext uri="{FF2B5EF4-FFF2-40B4-BE49-F238E27FC236}">
+                <a16:creationId xmlns:a16="http://schemas.microsoft.com/office/drawing/2014/main" id="{B9F3032C-A605-1655-84B2-E0861B9EF114}"/>
+              </a:ext>
+            </a:extLst>
+          </p:cNvPr>
+          <p:cNvSpPr>
+            <a:spLocks noGrp="1"/>
+          </p:cNvSpPr>
+          <p:nvPr>
+            <p:ph idx="1"/>
+          </p:nvPr>
+        </p:nvSpPr>
+        <p:spPr>
+          <a:xfrm>
+            <a:off x="5080216" y="2449585"/>
+            <a:ext cx="6272784" cy="3727377"/>
+          </a:xfrm>
+        </p:spPr>
+        <p:txBody>
+          <a:bodyPr>
+            <a:normAutofit/>
+          </a:bodyPr>
+          <a:lstStyle/>
+          <a:p>
+            <a:r>
+              <a:rPr lang="en-US" sz="1500" dirty="0"/>
+              <a:t>Know that it's a copilot, not an autopilot</a:t>
+            </a:r>
+          </a:p>
+          <a:p>
+            <a:pPr lvl="1"/>
+            <a:r>
+              <a:rPr lang="en-US" sz="1500" dirty="0"/>
+              <a:t>Copilot augments your productivity, but you remain in the driver's seat</a:t>
+            </a:r>
+          </a:p>
+          <a:p>
+            <a:pPr lvl="1"/>
+            <a:r>
+              <a:rPr lang="en-US" sz="1500" dirty="0"/>
+              <a:t>Use Copilot as a source of inspiration and guidance, then use your own creativity, logic, and judgment before acting or finalizing</a:t>
+            </a:r>
+          </a:p>
+          <a:p>
+            <a:pPr lvl="1"/>
+            <a:r>
+              <a:rPr lang="en-US" sz="1500" dirty="0"/>
+              <a:t>Copilot is a co-creator, not a solo artist!</a:t>
+            </a:r>
+          </a:p>
+          <a:p>
+            <a:r>
+              <a:rPr lang="en-US" sz="1500" dirty="0"/>
+              <a:t>Copilot is an augmentation, not an automation</a:t>
+            </a:r>
+          </a:p>
+          <a:p>
+            <a:pPr lvl="1"/>
+            <a:r>
+              <a:rPr lang="en-US" sz="1500" dirty="0"/>
+              <a:t>It is designed to help you, not to replace you</a:t>
+            </a:r>
+          </a:p>
+          <a:p>
+            <a:pPr lvl="1"/>
+            <a:r>
+              <a:rPr lang="en-US" sz="1500" dirty="0"/>
+              <a:t>Always review and edit the outputs before using them for your purposes</a:t>
+            </a:r>
+          </a:p>
+          <a:p>
+            <a:pPr indent="0">
+              <a:buNone/>
+            </a:pPr>
+            <a:endParaRPr lang="en-US" sz="1500" dirty="0"/>
+          </a:p>
+        </p:txBody>
+      </p:sp>
+    </p:spTree>
+    <p:extLst>
+      <p:ext uri="{BB962C8B-B14F-4D97-AF65-F5344CB8AC3E}">
+        <p14:creationId xmlns:p14="http://schemas.microsoft.com/office/powerpoint/2010/main" val="296726011"/>
+      </p:ext>
+    </p:extLst>
+  </p:cSld>
+  <p:clrMapOvr>
+    <a:masterClrMapping/>
+  </p:clrMapOvr>
+</p:sld>
+</file>
+
+<file path=ppt/slides/slide6.xml><?xml version="1.0" encoding="utf-8"?>
+<p:sld xmlns:a="http://schemas.openxmlformats.org/drawingml/2006/main" xmlns:r="http://schemas.openxmlformats.org/officeDocument/2006/relationships" xmlns:p="http://schemas.openxmlformats.org/presentationml/2006/main">
+  <p:cSld>
+    <p:spTree>
+      <p:nvGrpSpPr>
+        <p:cNvPr id="1" name=""/>
+        <p:cNvGrpSpPr/>
+        <p:nvPr/>
+      </p:nvGrpSpPr>
+      <p:grpSpPr>
+        <a:xfrm>
+          <a:off x="0" y="0"/>
+          <a:ext cx="0" cy="0"/>
+          <a:chOff x="0" y="0"/>
+          <a:chExt cx="0" cy="0"/>
+        </a:xfrm>
+      </p:grpSpPr>
+      <p:sp>
+        <p:nvSpPr>
+          <p:cNvPr id="2" name="Title 1">
+            <a:extLst>
+              <a:ext uri="{FF2B5EF4-FFF2-40B4-BE49-F238E27FC236}">
+                <a16:creationId xmlns:a16="http://schemas.microsoft.com/office/drawing/2014/main" id="{2CC34978-DC35-C5BB-9C1E-D39A59D943E4}"/>
+              </a:ext>
+            </a:extLst>
+          </p:cNvPr>
+          <p:cNvSpPr>
+            <a:spLocks noGrp="1"/>
+          </p:cNvSpPr>
+          <p:nvPr>
+            <p:ph type="title"/>
+          </p:nvPr>
+        </p:nvSpPr>
+        <p:spPr>
+          <a:xfrm>
+            <a:off x="411480" y="987552"/>
+            <a:ext cx="4485861" cy="1088136"/>
+          </a:xfrm>
+        </p:spPr>
+        <p:txBody>
+          <a:bodyPr anchor="b">
+            <a:normAutofit/>
+          </a:bodyPr>
+          <a:lstStyle/>
+          <a:p>
+            <a:r>
+              <a:rPr lang="en-US" sz="3100"/>
+              <a:t>Collaborating with Copilot for Better Results</a:t>
+            </a:r>
+          </a:p>
+        </p:txBody>
+      </p:sp>
+      <p:sp>
+        <p:nvSpPr>
+          <p:cNvPr id="3" name="Content Placeholder 2">
+            <a:extLst>
+              <a:ext uri="{FF2B5EF4-FFF2-40B4-BE49-F238E27FC236}">
+                <a16:creationId xmlns:a16="http://schemas.microsoft.com/office/drawing/2014/main" id="{939F3225-6F19-650B-A8AD-8C89E188508E}"/>
+              </a:ext>
+            </a:extLst>
+          </p:cNvPr>
+          <p:cNvSpPr>
+            <a:spLocks noGrp="1"/>
+          </p:cNvSpPr>
+          <p:nvPr>
+            <p:ph idx="1"/>
+          </p:nvPr>
+        </p:nvSpPr>
+        <p:spPr>
+          <a:xfrm>
+            <a:off x="411479" y="2688336"/>
+            <a:ext cx="4498848" cy="3584448"/>
+          </a:xfrm>
+        </p:spPr>
+        <p:txBody>
+          <a:bodyPr anchor="t">
+            <a:normAutofit lnSpcReduction="10000"/>
+          </a:bodyPr>
+          <a:lstStyle/>
+          <a:p>
+            <a:r>
+              <a:rPr lang="en-US" sz="1400"/>
+              <a:t>Copilot is a co-creator, not a solo artist - collaborate with it, provide feedback, and iterate on the results.</a:t>
+            </a:r>
+          </a:p>
+          <a:p>
+            <a:r>
+              <a:rPr lang="en-US" sz="1400"/>
+              <a:t>Use your own creativity, logic, and judgment to improve the outputs.</a:t>
+            </a:r>
+          </a:p>
+          <a:p>
+            <a:r>
+              <a:rPr lang="en-US" sz="1400"/>
+              <a:t>Optimize the ingredients of your prompt to Copilot.</a:t>
+            </a:r>
+          </a:p>
+          <a:p>
+            <a:r>
+              <a:rPr lang="en-US" sz="1400"/>
+              <a:t>Copilot is a learn-it-all, not a know-it-all - be open to learning and experimenting.</a:t>
+            </a:r>
+          </a:p>
+          <a:p>
+            <a:r>
+              <a:rPr lang="en-US" sz="1400"/>
+              <a:t>Use friendly language like you would with a colleague to get better results.</a:t>
+            </a:r>
+          </a:p>
+          <a:p>
+            <a:r>
+              <a:rPr lang="en-US" sz="1400"/>
+              <a:t>Be polite - using polite professional language helps improve quality.</a:t>
+            </a:r>
+          </a:p>
+          <a:p>
+            <a:r>
+              <a:rPr lang="en-US" sz="1400"/>
+              <a:t>If at first you don't succeed, try again - embrace your learning curve and remain flexible.</a:t>
+            </a:r>
+          </a:p>
+          <a:p>
+            <a:pPr indent="0">
+              <a:buNone/>
+            </a:pPr>
+            <a:endParaRPr lang="en-US" sz="1400"/>
+          </a:p>
+        </p:txBody>
+      </p:sp>
+      <p:pic>
+        <p:nvPicPr>
+          <p:cNvPr id="5" name="Picture 4" descr="Light bulb on yellow background with sketched light beams and cord">
+            <a:extLst>
+              <a:ext uri="{FF2B5EF4-FFF2-40B4-BE49-F238E27FC236}">
+                <a16:creationId xmlns:a16="http://schemas.microsoft.com/office/drawing/2014/main" id="{BDE94094-713E-7475-B57E-49368ED8183F}"/>
+              </a:ext>
+            </a:extLst>
+          </p:cNvPr>
+          <p:cNvPicPr>
+            <a:picLocks noChangeAspect="1"/>
+          </p:cNvPicPr>
+          <p:nvPr/>
+        </p:nvPicPr>
+        <p:blipFill rotWithShape="1">
+          <a:blip r:embed="rId3"/>
+          <a:srcRect l="38243" r="3" b="3"/>
+          <a:stretch/>
+        </p:blipFill>
+        <p:spPr>
+          <a:xfrm>
+            <a:off x="5308052" y="10"/>
+            <a:ext cx="6883948" cy="6857990"/>
+          </a:xfrm>
+          <a:custGeom>
+            <a:avLst/>
+            <a:gdLst/>
+            <a:ahLst/>
+            <a:cxnLst/>
+            <a:rect l="l" t="t" r="r" b="b"/>
+            <a:pathLst>
+              <a:path w="6883948" h="6858000">
+                <a:moveTo>
+                  <a:pt x="365648" y="0"/>
+                </a:moveTo>
+                <a:lnTo>
+                  <a:pt x="6883948" y="0"/>
+                </a:lnTo>
+                <a:lnTo>
+                  <a:pt x="6883948" y="6858000"/>
+                </a:lnTo>
+                <a:lnTo>
+                  <a:pt x="365648" y="6858000"/>
+                </a:lnTo>
+                <a:lnTo>
+                  <a:pt x="360213" y="6835050"/>
+                </a:lnTo>
+                <a:cubicBezTo>
+                  <a:pt x="128263" y="5788167"/>
+                  <a:pt x="0" y="4637179"/>
+                  <a:pt x="0" y="3429001"/>
+                </a:cubicBezTo>
+                <a:cubicBezTo>
+                  <a:pt x="0" y="2220824"/>
+                  <a:pt x="128263" y="1069835"/>
+                  <a:pt x="360213" y="22952"/>
+                </a:cubicBezTo>
+                <a:close/>
+              </a:path>
+            </a:pathLst>
+          </a:custGeom>
+          <a:effectLst>
+            <a:outerShdw blurRad="50800" dist="38100" dir="10800000" algn="r" rotWithShape="0">
+              <a:schemeClr val="bg1">
+                <a:lumMod val="85000"/>
+                <a:alpha val="30000"/>
+              </a:schemeClr>
+            </a:outerShdw>
+          </a:effectLst>
+        </p:spPr>
+      </p:pic>
+    </p:spTree>
+    <p:extLst>
+      <p:ext uri="{BB962C8B-B14F-4D97-AF65-F5344CB8AC3E}">
+        <p14:creationId xmlns:p14="http://schemas.microsoft.com/office/powerpoint/2010/main" val="3578313424"/>
+      </p:ext>
+    </p:extLst>
+  </p:cSld>
+  <p:clrMapOvr>
+    <a:masterClrMapping/>
+  </p:clrMapOvr>
+</p:sld>
+</file>
+
+<file path=ppt/slides/slide7.xml><?xml version="1.0" encoding="utf-8"?>
+<p:sld xmlns:a="http://schemas.openxmlformats.org/drawingml/2006/main" xmlns:r="http://schemas.openxmlformats.org/officeDocument/2006/relationships" xmlns:p="http://schemas.openxmlformats.org/presentationml/2006/main">
+  <p:cSld>
+    <p:spTree>
+      <p:nvGrpSpPr>
+        <p:cNvPr id="1" name=""/>
+        <p:cNvGrpSpPr/>
+        <p:nvPr/>
+      </p:nvGrpSpPr>
+      <p:grpSpPr>
+        <a:xfrm>
+          <a:off x="0" y="0"/>
+          <a:ext cx="0" cy="0"/>
+          <a:chOff x="0" y="0"/>
+          <a:chExt cx="0" cy="0"/>
+        </a:xfrm>
+      </p:grpSpPr>
       <p:pic>
         <p:nvPicPr>
           <p:cNvPr id="2074" name="Picture 26">
@@ -8488,7 +9819,7 @@
           <a:p>
             <a:fld id="{57997BA6-BEF8-495F-ACCD-8D19769E4FC6}" type="datetime2">
               <a:rPr lang="en-US" smtClean="0"/>
-              <a:t>Wednesday, December 20, 2023</a:t>
+              <a:t>Thursday, January 4, 2024</a:t>
             </a:fld>
             <a:endParaRPr lang="en-US" dirty="0"/>
           </a:p>
@@ -8550,7 +9881,7 @@
           <a:p>
             <a:fld id="{7BE69E03-4804-4553-A1EC-F089884EF50F}" type="slidenum">
               <a:rPr lang="en-US" smtClean="0"/>
-              <a:t>5</a:t>
+              <a:t>7</a:t>
             </a:fld>
             <a:endParaRPr lang="en-US"/>
           </a:p>
@@ -8971,419 +10302,6 @@
 </p:sld>
 </file>
 
-<file path=ppt/slides/slide6.xml><?xml version="1.0" encoding="utf-8"?>
-<p:sld xmlns:a="http://schemas.openxmlformats.org/drawingml/2006/main" xmlns:r="http://schemas.openxmlformats.org/officeDocument/2006/relationships" xmlns:p="http://schemas.openxmlformats.org/presentationml/2006/main">
-  <p:cSld>
-    <p:spTree>
-      <p:nvGrpSpPr>
-        <p:cNvPr id="1" name=""/>
-        <p:cNvGrpSpPr/>
-        <p:nvPr/>
-      </p:nvGrpSpPr>
-      <p:grpSpPr>
-        <a:xfrm>
-          <a:off x="0" y="0"/>
-          <a:ext cx="0" cy="0"/>
-          <a:chOff x="0" y="0"/>
-          <a:chExt cx="0" cy="0"/>
-        </a:xfrm>
-      </p:grpSpPr>
-      <p:sp>
-        <p:nvSpPr>
-          <p:cNvPr id="3" name="Content Placeholder 2">
-            <a:extLst>
-              <a:ext uri="{FF2B5EF4-FFF2-40B4-BE49-F238E27FC236}">
-                <a16:creationId xmlns:a16="http://schemas.microsoft.com/office/drawing/2014/main" id="{148321E6-F91F-F7FD-2745-477F8A58B6FB}"/>
-              </a:ext>
-            </a:extLst>
-          </p:cNvPr>
-          <p:cNvSpPr>
-            <a:spLocks noGrp="1"/>
-          </p:cNvSpPr>
-          <p:nvPr>
-            <p:ph idx="1"/>
-          </p:nvPr>
-        </p:nvSpPr>
-        <p:spPr>
-          <a:xfrm>
-            <a:off x="1423468" y="667512"/>
-            <a:ext cx="9732212" cy="5435683"/>
-          </a:xfrm>
-        </p:spPr>
-        <p:txBody>
-          <a:bodyPr>
-            <a:normAutofit/>
-          </a:bodyPr>
-          <a:lstStyle/>
-          <a:p>
-            <a:pPr marL="0" indent="0">
-              <a:buNone/>
-            </a:pPr>
-            <a:r>
-              <a:rPr lang="en-US" sz="4400" b="1" dirty="0"/>
-              <a:t>Prompting – Best Practices</a:t>
-            </a:r>
-          </a:p>
-          <a:p>
-            <a:r>
-              <a:rPr lang="en-US" b="1" dirty="0"/>
-              <a:t>Set the stage with a High-Level Goal</a:t>
-            </a:r>
-          </a:p>
-          <a:p>
-            <a:pPr lvl="1"/>
-            <a:r>
-              <a:rPr lang="en-US" b="0" i="0" u="none" strike="noStrike" dirty="0">
-                <a:effectLst/>
-                <a:latin typeface="-apple-system-font"/>
-              </a:rPr>
-              <a:t>This is most helpful if you have a blank file or empty codebase. In other words, if GitHub Copilot has zero context of what you want to build or accomplish, setting the stage for the AI pair programmer can be really useful. It helps to prime GitHub Copilot with a big picture description of what you want it to generate—before you jump in with the details.</a:t>
-            </a:r>
-          </a:p>
-          <a:p>
-            <a:pPr lvl="1"/>
-            <a:r>
-              <a:rPr lang="en-US" b="0" i="0" u="none" strike="noStrike" dirty="0">
-                <a:effectLst/>
-                <a:latin typeface="-apple-system-font"/>
-              </a:rPr>
-              <a:t>When prompting GitHub Copilot, think of the process as having a conversation with someone: How should I break down the problem so we can solve it together? How would I approach pair programming with this person?</a:t>
-            </a:r>
-          </a:p>
-          <a:p>
-            <a:pPr lvl="1"/>
-            <a:endParaRPr lang="en-US" dirty="0"/>
-          </a:p>
-        </p:txBody>
-      </p:sp>
-      <p:sp>
-        <p:nvSpPr>
-          <p:cNvPr id="4" name="Date Placeholder 3">
-            <a:extLst>
-              <a:ext uri="{FF2B5EF4-FFF2-40B4-BE49-F238E27FC236}">
-                <a16:creationId xmlns:a16="http://schemas.microsoft.com/office/drawing/2014/main" id="{801B4FD5-DB95-B31B-78F2-33F13EF577C2}"/>
-              </a:ext>
-            </a:extLst>
-          </p:cNvPr>
-          <p:cNvSpPr>
-            <a:spLocks noGrp="1"/>
-          </p:cNvSpPr>
-          <p:nvPr>
-            <p:ph type="dt" sz="half" idx="10"/>
-          </p:nvPr>
-        </p:nvSpPr>
-        <p:spPr/>
-        <p:txBody>
-          <a:bodyPr/>
-          <a:lstStyle/>
-          <a:p>
-            <a:fld id="{57997BA6-BEF8-495F-ACCD-8D19769E4FC6}" type="datetime2">
-              <a:rPr lang="en-US" smtClean="0"/>
-              <a:t>Wednesday, December 20, 2023</a:t>
-            </a:fld>
-            <a:endParaRPr lang="en-US" dirty="0"/>
-          </a:p>
-        </p:txBody>
-      </p:sp>
-      <p:sp>
-        <p:nvSpPr>
-          <p:cNvPr id="5" name="Footer Placeholder 4">
-            <a:extLst>
-              <a:ext uri="{FF2B5EF4-FFF2-40B4-BE49-F238E27FC236}">
-                <a16:creationId xmlns:a16="http://schemas.microsoft.com/office/drawing/2014/main" id="{D4ECD59A-7298-C3B3-CD76-FEC4DDE5250F}"/>
-              </a:ext>
-            </a:extLst>
-          </p:cNvPr>
-          <p:cNvSpPr>
-            <a:spLocks noGrp="1"/>
-          </p:cNvSpPr>
-          <p:nvPr>
-            <p:ph type="ftr" sz="quarter" idx="11"/>
-          </p:nvPr>
-        </p:nvSpPr>
-        <p:spPr/>
-        <p:txBody>
-          <a:bodyPr/>
-          <a:lstStyle/>
-          <a:p>
-            <a:pPr>
-              <a:spcAft>
-                <a:spcPts val="600"/>
-              </a:spcAft>
-            </a:pPr>
-            <a:r>
-              <a:rPr lang="en-US" dirty="0"/>
-              <a:t>GitHub Copilot Workshop</a:t>
-            </a:r>
-          </a:p>
-        </p:txBody>
-      </p:sp>
-      <p:sp>
-        <p:nvSpPr>
-          <p:cNvPr id="6" name="Slide Number Placeholder 5">
-            <a:extLst>
-              <a:ext uri="{FF2B5EF4-FFF2-40B4-BE49-F238E27FC236}">
-                <a16:creationId xmlns:a16="http://schemas.microsoft.com/office/drawing/2014/main" id="{97B3B3E1-B781-AD28-0D34-29FAFC0D7EA6}"/>
-              </a:ext>
-            </a:extLst>
-          </p:cNvPr>
-          <p:cNvSpPr>
-            <a:spLocks noGrp="1"/>
-          </p:cNvSpPr>
-          <p:nvPr>
-            <p:ph type="sldNum" sz="quarter" idx="12"/>
-          </p:nvPr>
-        </p:nvSpPr>
-        <p:spPr/>
-        <p:txBody>
-          <a:bodyPr/>
-          <a:lstStyle/>
-          <a:p>
-            <a:fld id="{7BE69E03-4804-4553-A1EC-F089884EF50F}" type="slidenum">
-              <a:rPr lang="en-US" smtClean="0"/>
-              <a:t>6</a:t>
-            </a:fld>
-            <a:endParaRPr lang="en-US"/>
-          </a:p>
-        </p:txBody>
-      </p:sp>
-    </p:spTree>
-    <p:extLst>
-      <p:ext uri="{BB962C8B-B14F-4D97-AF65-F5344CB8AC3E}">
-        <p14:creationId xmlns:p14="http://schemas.microsoft.com/office/powerpoint/2010/main" val="451138368"/>
-      </p:ext>
-    </p:extLst>
-  </p:cSld>
-  <p:clrMapOvr>
-    <a:masterClrMapping/>
-  </p:clrMapOvr>
-</p:sld>
-</file>
-
-<file path=ppt/slides/slide7.xml><?xml version="1.0" encoding="utf-8"?>
-<p:sld xmlns:a="http://schemas.openxmlformats.org/drawingml/2006/main" xmlns:r="http://schemas.openxmlformats.org/officeDocument/2006/relationships" xmlns:p="http://schemas.openxmlformats.org/presentationml/2006/main">
-  <p:cSld>
-    <p:spTree>
-      <p:nvGrpSpPr>
-        <p:cNvPr id="1" name=""/>
-        <p:cNvGrpSpPr/>
-        <p:nvPr/>
-      </p:nvGrpSpPr>
-      <p:grpSpPr>
-        <a:xfrm>
-          <a:off x="0" y="0"/>
-          <a:ext cx="0" cy="0"/>
-          <a:chOff x="0" y="0"/>
-          <a:chExt cx="0" cy="0"/>
-        </a:xfrm>
-      </p:grpSpPr>
-      <p:sp>
-        <p:nvSpPr>
-          <p:cNvPr id="3" name="Content Placeholder 2">
-            <a:extLst>
-              <a:ext uri="{FF2B5EF4-FFF2-40B4-BE49-F238E27FC236}">
-                <a16:creationId xmlns:a16="http://schemas.microsoft.com/office/drawing/2014/main" id="{148321E6-F91F-F7FD-2745-477F8A58B6FB}"/>
-              </a:ext>
-            </a:extLst>
-          </p:cNvPr>
-          <p:cNvSpPr>
-            <a:spLocks noGrp="1"/>
-          </p:cNvSpPr>
-          <p:nvPr>
-            <p:ph idx="1"/>
-          </p:nvPr>
-        </p:nvSpPr>
-        <p:spPr>
-          <a:xfrm>
-            <a:off x="1423468" y="667512"/>
-            <a:ext cx="10654232" cy="5435683"/>
-          </a:xfrm>
-        </p:spPr>
-        <p:txBody>
-          <a:bodyPr>
-            <a:normAutofit/>
-          </a:bodyPr>
-          <a:lstStyle/>
-          <a:p>
-            <a:pPr marL="0" indent="0">
-              <a:buNone/>
-            </a:pPr>
-            <a:r>
-              <a:rPr lang="en-US" sz="4400" b="1" dirty="0"/>
-              <a:t>Prompting – Best Practices</a:t>
-            </a:r>
-          </a:p>
-          <a:p>
-            <a:pPr algn="l"/>
-            <a:r>
-              <a:rPr lang="en-US" b="1" i="0" u="none" strike="noStrike" dirty="0">
-                <a:effectLst/>
-                <a:latin typeface="-apple-system-font"/>
-              </a:rPr>
-              <a:t> Make your ask simple and specific. Aim to receive short output from GitHub Copilot</a:t>
-            </a:r>
-          </a:p>
-          <a:p>
-            <a:pPr lvl="1"/>
-            <a:r>
-              <a:rPr lang="en-US" b="0" i="0" u="none" strike="noStrike" dirty="0">
-                <a:effectLst/>
-                <a:latin typeface="-apple-system-font"/>
-              </a:rPr>
-              <a:t>Once you communicate your main goal to the AI pair programmer, </a:t>
-            </a:r>
-            <a:r>
-              <a:rPr lang="en-US" b="1" i="0" u="none" strike="noStrike" dirty="0">
-                <a:effectLst/>
-                <a:latin typeface="-apple-system-font"/>
-              </a:rPr>
-              <a:t>articulate the logic and steps it needs to follow for achieving that goal</a:t>
-            </a:r>
-            <a:r>
-              <a:rPr lang="en-US" b="0" i="0" u="none" strike="noStrike" dirty="0">
-                <a:effectLst/>
-                <a:latin typeface="-apple-system-font"/>
-              </a:rPr>
-              <a:t>. GitHub Copilot better understands your goal when you break things down. </a:t>
-            </a:r>
-          </a:p>
-          <a:p>
-            <a:pPr lvl="2"/>
-            <a:r>
-              <a:rPr lang="en-US" b="0" i="0" u="none" strike="noStrike" dirty="0">
-                <a:effectLst/>
-                <a:latin typeface="-apple-system-font"/>
-              </a:rPr>
-              <a:t>(Imagine you’re writing a recipe. You’d break the cooking process down into discrete steps–not write a paragraph describing the dish you want to make.)</a:t>
-            </a:r>
-          </a:p>
-          <a:p>
-            <a:pPr lvl="1"/>
-            <a:r>
-              <a:rPr lang="en-US" b="1" i="0" u="none" strike="noStrike" dirty="0">
-                <a:effectLst/>
-                <a:latin typeface="-apple-system-font"/>
-              </a:rPr>
-              <a:t>Let GitHub Copilot generate the code after each step</a:t>
-            </a:r>
-            <a:r>
-              <a:rPr lang="en-US" b="0" i="0" u="none" strike="noStrike" dirty="0">
-                <a:effectLst/>
-                <a:latin typeface="-apple-system-font"/>
-              </a:rPr>
-              <a:t>, rather than asking it to generate a bunch of code all at once.</a:t>
-            </a:r>
-          </a:p>
-          <a:p>
-            <a:pPr lvl="1"/>
-            <a:endParaRPr lang="en-US" dirty="0"/>
-          </a:p>
-        </p:txBody>
-      </p:sp>
-      <p:sp>
-        <p:nvSpPr>
-          <p:cNvPr id="4" name="Date Placeholder 3">
-            <a:extLst>
-              <a:ext uri="{FF2B5EF4-FFF2-40B4-BE49-F238E27FC236}">
-                <a16:creationId xmlns:a16="http://schemas.microsoft.com/office/drawing/2014/main" id="{801B4FD5-DB95-B31B-78F2-33F13EF577C2}"/>
-              </a:ext>
-            </a:extLst>
-          </p:cNvPr>
-          <p:cNvSpPr>
-            <a:spLocks noGrp="1"/>
-          </p:cNvSpPr>
-          <p:nvPr>
-            <p:ph type="dt" sz="half" idx="10"/>
-          </p:nvPr>
-        </p:nvSpPr>
-        <p:spPr/>
-        <p:txBody>
-          <a:bodyPr/>
-          <a:lstStyle/>
-          <a:p>
-            <a:fld id="{57997BA6-BEF8-495F-ACCD-8D19769E4FC6}" type="datetime2">
-              <a:rPr lang="en-US" smtClean="0"/>
-              <a:t>Wednesday, December 20, 2023</a:t>
-            </a:fld>
-            <a:endParaRPr lang="en-US" dirty="0"/>
-          </a:p>
-        </p:txBody>
-      </p:sp>
-      <p:sp>
-        <p:nvSpPr>
-          <p:cNvPr id="5" name="Footer Placeholder 4">
-            <a:extLst>
-              <a:ext uri="{FF2B5EF4-FFF2-40B4-BE49-F238E27FC236}">
-                <a16:creationId xmlns:a16="http://schemas.microsoft.com/office/drawing/2014/main" id="{D4ECD59A-7298-C3B3-CD76-FEC4DDE5250F}"/>
-              </a:ext>
-            </a:extLst>
-          </p:cNvPr>
-          <p:cNvSpPr>
-            <a:spLocks noGrp="1"/>
-          </p:cNvSpPr>
-          <p:nvPr>
-            <p:ph type="ftr" sz="quarter" idx="11"/>
-          </p:nvPr>
-        </p:nvSpPr>
-        <p:spPr/>
-        <p:txBody>
-          <a:bodyPr/>
-          <a:lstStyle/>
-          <a:p>
-            <a:pPr>
-              <a:spcAft>
-                <a:spcPts val="600"/>
-              </a:spcAft>
-            </a:pPr>
-            <a:r>
-              <a:rPr lang="en-US" dirty="0"/>
-              <a:t>GitHub Copilot Workshop</a:t>
-            </a:r>
-          </a:p>
-        </p:txBody>
-      </p:sp>
-      <p:sp>
-        <p:nvSpPr>
-          <p:cNvPr id="6" name="Slide Number Placeholder 5">
-            <a:extLst>
-              <a:ext uri="{FF2B5EF4-FFF2-40B4-BE49-F238E27FC236}">
-                <a16:creationId xmlns:a16="http://schemas.microsoft.com/office/drawing/2014/main" id="{97B3B3E1-B781-AD28-0D34-29FAFC0D7EA6}"/>
-              </a:ext>
-            </a:extLst>
-          </p:cNvPr>
-          <p:cNvSpPr>
-            <a:spLocks noGrp="1"/>
-          </p:cNvSpPr>
-          <p:nvPr>
-            <p:ph type="sldNum" sz="quarter" idx="12"/>
-          </p:nvPr>
-        </p:nvSpPr>
-        <p:spPr/>
-        <p:txBody>
-          <a:bodyPr/>
-          <a:lstStyle/>
-          <a:p>
-            <a:fld id="{7BE69E03-4804-4553-A1EC-F089884EF50F}" type="slidenum">
-              <a:rPr lang="en-US" smtClean="0"/>
-              <a:t>7</a:t>
-            </a:fld>
-            <a:endParaRPr lang="en-US"/>
-          </a:p>
-        </p:txBody>
-      </p:sp>
-    </p:spTree>
-    <p:extLst>
-      <p:ext uri="{BB962C8B-B14F-4D97-AF65-F5344CB8AC3E}">
-        <p14:creationId xmlns:p14="http://schemas.microsoft.com/office/powerpoint/2010/main" val="2490968408"/>
-      </p:ext>
-    </p:extLst>
-  </p:cSld>
-  <p:clrMapOvr>
-    <a:masterClrMapping/>
-  </p:clrMapOvr>
-</p:sld>
-</file>
-
 <file path=ppt/slides/slide8.xml><?xml version="1.0" encoding="utf-8"?>
 <p:sld xmlns:a="http://schemas.openxmlformats.org/drawingml/2006/main" xmlns:r="http://schemas.openxmlformats.org/officeDocument/2006/relationships" xmlns:p="http://schemas.openxmlformats.org/presentationml/2006/main">
   <p:cSld>
@@ -9420,7 +10338,7 @@
         <p:spPr>
           <a:xfrm>
             <a:off x="1423468" y="667512"/>
-            <a:ext cx="10654232" cy="5435683"/>
+            <a:ext cx="9732212" cy="5435683"/>
           </a:xfrm>
         </p:spPr>
         <p:txBody>
@@ -9438,13 +10356,9 @@
             </a:r>
           </a:p>
           <a:p>
-            <a:pPr algn="l"/>
-            <a:r>
-              <a:rPr lang="en-US" b="1" i="0" u="none" strike="noStrike" dirty="0">
-                <a:effectLst/>
-                <a:latin typeface="-apple-system-font"/>
-              </a:rPr>
-              <a:t> Give GitHub Copilot an example or two</a:t>
+            <a:r>
+              <a:rPr lang="en-US" b="1" dirty="0"/>
+              <a:t>Set the stage with a High-Level Goal</a:t>
             </a:r>
           </a:p>
           <a:p>
@@ -9454,8 +10368,21 @@
                 <a:effectLst/>
                 <a:latin typeface="-apple-system-font"/>
               </a:rPr>
-              <a:t>Learning from examples is not only useful for humans, but also for your AI pair programmer.</a:t>
-            </a:r>
+              <a:t>This is most helpful if you have a blank file or empty codebase. In other words, if GitHub Copilot has zero context of what you want to build or accomplish, setting the stage for the AI pair programmer can be really useful. It helps to prime GitHub Copilot with a big picture description of what you want it to generate—before you jump in with the details.</a:t>
+            </a:r>
+          </a:p>
+          <a:p>
+            <a:pPr lvl="1"/>
+            <a:r>
+              <a:rPr lang="en-US" b="0" i="0" u="none" strike="noStrike" dirty="0">
+                <a:effectLst/>
+                <a:latin typeface="-apple-system-font"/>
+              </a:rPr>
+              <a:t>When prompting GitHub Copilot, think of the process as having a conversation with someone: How should I break down the problem so we can solve it together? How would I approach pair programming with this person?</a:t>
+            </a:r>
+          </a:p>
+          <a:p>
+            <a:pPr lvl="1"/>
             <a:endParaRPr lang="en-US" dirty="0"/>
           </a:p>
         </p:txBody>
@@ -9483,7 +10410,7 @@
           <a:p>
             <a:fld id="{57997BA6-BEF8-495F-ACCD-8D19769E4FC6}" type="datetime2">
               <a:rPr lang="en-US" smtClean="0"/>
-              <a:t>Wednesday, December 20, 2023</a:t>
+              <a:t>Thursday, January 4, 2024</a:t>
             </a:fld>
             <a:endParaRPr lang="en-US" dirty="0"/>
           </a:p>
@@ -9551,70 +10478,10 @@
           </a:p>
         </p:txBody>
       </p:sp>
-      <p:pic>
-        <p:nvPicPr>
-          <p:cNvPr id="2" name="Picture 1">
-            <a:extLst>
-              <a:ext uri="{FF2B5EF4-FFF2-40B4-BE49-F238E27FC236}">
-                <a16:creationId xmlns:a16="http://schemas.microsoft.com/office/drawing/2014/main" id="{D3D4CD06-4BA5-A84E-C401-2955686536C2}"/>
-              </a:ext>
-            </a:extLst>
-          </p:cNvPr>
-          <p:cNvPicPr>
-            <a:picLocks noChangeAspect="1"/>
-          </p:cNvPicPr>
-          <p:nvPr/>
-        </p:nvPicPr>
-        <p:blipFill>
-          <a:blip r:embed="rId2"/>
-          <a:stretch>
-            <a:fillRect/>
-          </a:stretch>
-        </p:blipFill>
-        <p:spPr>
-          <a:xfrm>
-            <a:off x="2415540" y="2781300"/>
-            <a:ext cx="3600450" cy="3787140"/>
-          </a:xfrm>
-          <a:prstGeom prst="rect">
-            <a:avLst/>
-          </a:prstGeom>
-        </p:spPr>
-      </p:pic>
-      <p:pic>
-        <p:nvPicPr>
-          <p:cNvPr id="7" name="Picture 6">
-            <a:extLst>
-              <a:ext uri="{FF2B5EF4-FFF2-40B4-BE49-F238E27FC236}">
-                <a16:creationId xmlns:a16="http://schemas.microsoft.com/office/drawing/2014/main" id="{ACDC3B62-8B4E-5BA7-6C65-B4B2017465F2}"/>
-              </a:ext>
-            </a:extLst>
-          </p:cNvPr>
-          <p:cNvPicPr>
-            <a:picLocks noChangeAspect="1"/>
-          </p:cNvPicPr>
-          <p:nvPr/>
-        </p:nvPicPr>
-        <p:blipFill>
-          <a:blip r:embed="rId3"/>
-          <a:stretch>
-            <a:fillRect/>
-          </a:stretch>
-        </p:blipFill>
-        <p:spPr>
-          <a:xfrm>
-            <a:off x="7213462" y="2548678"/>
-            <a:ext cx="3666766" cy="3787140"/>
-          </a:xfrm>
-          <a:prstGeom prst="rect">
-            <a:avLst/>
-          </a:prstGeom>
-        </p:spPr>
-      </p:pic>
     </p:spTree>
     <p:extLst>
       <p:ext uri="{BB962C8B-B14F-4D97-AF65-F5344CB8AC3E}">
-        <p14:creationId xmlns:p14="http://schemas.microsoft.com/office/powerpoint/2010/main" val="1184927754"/>
+        <p14:creationId xmlns:p14="http://schemas.microsoft.com/office/powerpoint/2010/main" val="451138368"/>
       </p:ext>
     </p:extLst>
   </p:cSld>
@@ -9674,123 +10541,69 @@
             </a:pPr>
             <a:r>
               <a:rPr lang="en-US" sz="4400" b="1" dirty="0"/>
-              <a:t>Prompting – Basics</a:t>
+              <a:t>Prompting – Best Practices</a:t>
             </a:r>
           </a:p>
           <a:p>
             <a:pPr algn="l"/>
             <a:r>
-              <a:rPr lang="en-US" sz="1800" b="1" i="0" u="none" strike="noStrike" dirty="0">
+              <a:rPr lang="en-US" b="1" i="0" u="none" strike="noStrike" dirty="0">
                 <a:effectLst/>
                 <a:latin typeface="-apple-system-font"/>
               </a:rPr>
-              <a:t>  Experiment with your prompts.</a:t>
+              <a:t> Make your ask simple and specific. Aim to receive short output from GitHub Copilot</a:t>
             </a:r>
           </a:p>
           <a:p>
             <a:pPr lvl="1"/>
             <a:r>
-              <a:rPr lang="en-US" sz="1800" b="0" i="0" u="none" strike="noStrike" dirty="0">
+              <a:rPr lang="en-US" b="0" i="0" u="none" strike="noStrike" dirty="0">
                 <a:effectLst/>
                 <a:latin typeface="-apple-system-font"/>
               </a:rPr>
-              <a:t>Just how conversation is more of an art than a science, so is prompt crafting. So, if you don’t receive what you want on the first try, recraft your prompt by following the best practices in the previous slides.</a:t>
-            </a:r>
-          </a:p>
-          <a:p>
-            <a:r>
-              <a:rPr lang="en-US" sz="1800" b="1" i="0" u="none" strike="noStrike" dirty="0">
+              <a:t>Once you communicate your main goal to the AI pair programmer, </a:t>
+            </a:r>
+            <a:r>
+              <a:rPr lang="en-US" b="1" i="0" u="none" strike="noStrike" dirty="0">
                 <a:effectLst/>
                 <a:latin typeface="-apple-system-font"/>
               </a:rPr>
-              <a:t> Keep a couple of relevant tabs open</a:t>
-            </a:r>
-          </a:p>
-          <a:p>
-            <a:pPr lvl="1"/>
-            <a:r>
-              <a:rPr lang="en-US" sz="1800" b="0" i="0" u="none" strike="noStrike" dirty="0">
+              <a:t>articulate the logic and steps it needs to follow for achieving that goal</a:t>
+            </a:r>
+            <a:r>
+              <a:rPr lang="en-US" b="0" i="0" u="none" strike="noStrike" dirty="0">
                 <a:effectLst/>
                 <a:latin typeface="-apple-system-font"/>
               </a:rPr>
-              <a:t>No exact number of tabs is documented that you should keep open to help GitHub Copilot contextualize your code, but from my experience, I found that one or two is helpful.</a:t>
-            </a:r>
-          </a:p>
-          <a:p>
-            <a:pPr lvl="1"/>
-            <a:r>
-              <a:rPr lang="en-US" sz="1800" b="0" i="0" u="none" strike="noStrike" dirty="0">
-                <a:solidFill>
-                  <a:srgbClr val="5AC8FA"/>
-                </a:solidFill>
-                <a:effectLst/>
-                <a:latin typeface="-apple-system-font"/>
-                <a:hlinkClick r:id="rId2"/>
-              </a:rPr>
-              <a:t>GitHub Copilot uses a technique called neighboring tabs</a:t>
-            </a:r>
-            <a:r>
-              <a:rPr lang="en-US" sz="1800" b="0" i="0" u="none" strike="noStrike" dirty="0">
+              <a:t>. GitHub Copilot better understands your goal when you break things down. </a:t>
+            </a:r>
+          </a:p>
+          <a:p>
+            <a:pPr lvl="2"/>
+            <a:r>
+              <a:rPr lang="en-US" b="0" i="0" u="none" strike="noStrike" dirty="0">
                 <a:effectLst/>
                 <a:latin typeface="-apple-system-font"/>
               </a:rPr>
-              <a:t> that allows the AI pair programmer to contextualize your code by processing all of the files open in your IDE instead of just the single file you’re working on. However, it’s not guaranteed that Github Copilot will deem all open files as necessary context for your code.</a:t>
-            </a:r>
-          </a:p>
-          <a:p>
-            <a:r>
-              <a:rPr lang="en-US" sz="1800" b="1" i="0" u="none" strike="noStrike" dirty="0">
+              <a:t>(Imagine you’re writing a recipe. You’d break the cooking process down into discrete steps–not write a paragraph describing the dish you want to make.)</a:t>
+            </a:r>
+          </a:p>
+          <a:p>
+            <a:pPr lvl="1"/>
+            <a:r>
+              <a:rPr lang="en-US" b="1" i="0" u="none" strike="noStrike" dirty="0">
                 <a:effectLst/>
                 <a:latin typeface="-apple-system-font"/>
               </a:rPr>
-              <a:t> Use good coding practices.</a:t>
-            </a:r>
-          </a:p>
-          <a:p>
-            <a:pPr lvl="1"/>
-            <a:r>
-              <a:rPr lang="en-US" sz="1800" b="0" i="0" u="none" strike="noStrike" dirty="0">
+              <a:t>Let GitHub Copilot generate the code after each step</a:t>
+            </a:r>
+            <a:r>
+              <a:rPr lang="en-US" b="0" i="0" u="none" strike="noStrike" dirty="0">
                 <a:effectLst/>
                 <a:latin typeface="-apple-system-font"/>
               </a:rPr>
-              <a:t>Provide descriptive variable names and functions.  </a:t>
-            </a:r>
-            <a:r>
-              <a:rPr lang="en-US" sz="1800" dirty="0">
-                <a:latin typeface="-apple-system-font"/>
-              </a:rPr>
-              <a:t>F</a:t>
-            </a:r>
-            <a:r>
-              <a:rPr lang="en-US" sz="1800" b="0" i="0" u="none" strike="noStrike" dirty="0">
-                <a:effectLst/>
-                <a:latin typeface="-apple-system-font"/>
-              </a:rPr>
-              <a:t>ollow consistent coding styles and patterns. I’ve found that working with GitHub Copilot encourages me to follow good coding practices learned throughout </a:t>
-            </a:r>
-            <a:r>
-              <a:rPr lang="en-US" sz="1800" dirty="0">
-                <a:latin typeface="-apple-system-font"/>
-              </a:rPr>
-              <a:t>my development </a:t>
-            </a:r>
-            <a:r>
-              <a:rPr lang="en-US" sz="1800" b="0" i="0" u="none" strike="noStrike" dirty="0">
-                <a:effectLst/>
-                <a:latin typeface="-apple-system-font"/>
-              </a:rPr>
-              <a:t>career.</a:t>
-            </a:r>
-            <a:endParaRPr lang="en-US" sz="1800" b="1" i="0" u="none" strike="noStrike" dirty="0">
-              <a:effectLst/>
-              <a:latin typeface="-apple-system-font"/>
-            </a:endParaRPr>
-          </a:p>
-          <a:p>
-            <a:endParaRPr lang="en-US" b="1" i="0" u="none" strike="noStrike" dirty="0">
-              <a:effectLst/>
-              <a:latin typeface="-apple-system-font"/>
-            </a:endParaRPr>
+              <a:t>, rather than asking it to generate a bunch of code all at once.</a:t>
+            </a:r>
           </a:p>
           <a:p>
             <a:pPr lvl="1"/>
@@ -9821,7 +10634,7 @@
           <a:p>
             <a:fld id="{57997BA6-BEF8-495F-ACCD-8D19769E4FC6}" type="datetime2">
               <a:rPr lang="en-US" smtClean="0"/>
-              <a:t>Wednesday, December 20, 2023</a:t>
+              <a:t>Thursday, January 4, 2024</a:t>
             </a:fld>
             <a:endParaRPr lang="en-US" dirty="0"/>
           </a:p>
@@ -9892,7 +10705,7 @@
     </p:spTree>
     <p:extLst>
       <p:ext uri="{BB962C8B-B14F-4D97-AF65-F5344CB8AC3E}">
-        <p14:creationId xmlns:p14="http://schemas.microsoft.com/office/powerpoint/2010/main" val="2313802213"/>
+        <p14:creationId xmlns:p14="http://schemas.microsoft.com/office/powerpoint/2010/main" val="2490968408"/>
       </p:ext>
     </p:extLst>
   </p:cSld>
